--- a/slide-decks/prompt-chaining-pattern.pptx
+++ b/slide-decks/prompt-chaining-pattern.pptx
@@ -4,11 +4,13 @@
   <p:sldMasterIdLst>
     <p:sldMasterId id="2147483660" r:id="rId1"/>
   </p:sldMasterIdLst>
+  <p:notesMasterIdLst>
+    <p:notesMasterId r:id="rId5"/>
+  </p:notesMasterIdLst>
   <p:sldIdLst>
-    <p:sldId id="264" r:id="rId2"/>
-    <p:sldId id="263" r:id="rId3"/>
-    <p:sldId id="268" r:id="rId4"/>
-    <p:sldId id="266" r:id="rId5"/>
+    <p:sldId id="263" r:id="rId2"/>
+    <p:sldId id="268" r:id="rId3"/>
+    <p:sldId id="266" r:id="rId4"/>
   </p:sldIdLst>
   <p:sldSz cx="12192000" cy="6858000"/>
   <p:notesSz cx="6858000" cy="9144000"/>
@@ -107,6 +109,11 @@
       </a:defRPr>
     </a:lvl9pPr>
   </p:defaultTextStyle>
+  <p:extLst>
+    <p:ext uri="{EFAFB233-063F-42B5-8137-9DF3F51BA10A}">
+      <p15:sldGuideLst xmlns:p15="http://schemas.microsoft.com/office/powerpoint/2012/main"/>
+    </p:ext>
+  </p:extLst>
 </p:presentation>
 </file>
 
@@ -1716,7 +1723,7 @@
   <dgm:whole/>
   <dgm:extLst>
     <a:ext uri="http://schemas.microsoft.com/office/drawing/2008/diagram">
-      <dsp:dataModelExt xmlns:dsp="http://schemas.microsoft.com/office/drawing/2008/diagram" relId="rId6" minVer="http://schemas.openxmlformats.org/drawingml/2006/diagram"/>
+      <dsp:dataModelExt xmlns:dsp="http://schemas.microsoft.com/office/drawing/2008/diagram" relId="rId7" minVer="http://schemas.openxmlformats.org/drawingml/2006/diagram"/>
     </a:ext>
     <a:ext uri="{C62137D5-CB1D-491B-B009-E17868A290BF}">
       <dgm14:recolorImg xmlns:dgm14="http://schemas.microsoft.com/office/drawing/2010/diagram" val="1"/>
@@ -4758,6 +4765,1052 @@
 </dgm:styleDef>
 </file>
 
+<file path=ppt/notesMasters/notesMaster1.xml><?xml version="1.0" encoding="utf-8"?>
+<p:notesMaster xmlns:a="http://schemas.openxmlformats.org/drawingml/2006/main" xmlns:r="http://schemas.openxmlformats.org/officeDocument/2006/relationships" xmlns:p="http://schemas.openxmlformats.org/presentationml/2006/main">
+  <p:cSld>
+    <p:bg>
+      <p:bgRef idx="1001">
+        <a:schemeClr val="bg1"/>
+      </p:bgRef>
+    </p:bg>
+    <p:spTree>
+      <p:nvGrpSpPr>
+        <p:cNvPr id="1" name=""/>
+        <p:cNvGrpSpPr/>
+        <p:nvPr/>
+      </p:nvGrpSpPr>
+      <p:grpSpPr>
+        <a:xfrm>
+          <a:off x="0" y="0"/>
+          <a:ext cx="0" cy="0"/>
+          <a:chOff x="0" y="0"/>
+          <a:chExt cx="0" cy="0"/>
+        </a:xfrm>
+      </p:grpSpPr>
+      <p:sp>
+        <p:nvSpPr>
+          <p:cNvPr id="2" name="Header Placeholder 1"/>
+          <p:cNvSpPr>
+            <a:spLocks noGrp="1"/>
+          </p:cNvSpPr>
+          <p:nvPr>
+            <p:ph type="hdr" sz="quarter"/>
+          </p:nvPr>
+        </p:nvSpPr>
+        <p:spPr>
+          <a:xfrm>
+            <a:off x="0" y="0"/>
+            <a:ext cx="2971800" cy="458788"/>
+          </a:xfrm>
+          <a:prstGeom prst="rect">
+            <a:avLst/>
+          </a:prstGeom>
+        </p:spPr>
+        <p:txBody>
+          <a:bodyPr vert="horz" lIns="91440" tIns="45720" rIns="91440" bIns="45720" rtlCol="0"/>
+          <a:lstStyle>
+            <a:lvl1pPr algn="l">
+              <a:defRPr sz="1200"/>
+            </a:lvl1pPr>
+          </a:lstStyle>
+          <a:p>
+            <a:endParaRPr lang="en-AU"/>
+          </a:p>
+        </p:txBody>
+      </p:sp>
+      <p:sp>
+        <p:nvSpPr>
+          <p:cNvPr id="3" name="Date Placeholder 2"/>
+          <p:cNvSpPr>
+            <a:spLocks noGrp="1"/>
+          </p:cNvSpPr>
+          <p:nvPr>
+            <p:ph type="dt" idx="1"/>
+          </p:nvPr>
+        </p:nvSpPr>
+        <p:spPr>
+          <a:xfrm>
+            <a:off x="3884613" y="0"/>
+            <a:ext cx="2971800" cy="458788"/>
+          </a:xfrm>
+          <a:prstGeom prst="rect">
+            <a:avLst/>
+          </a:prstGeom>
+        </p:spPr>
+        <p:txBody>
+          <a:bodyPr vert="horz" lIns="91440" tIns="45720" rIns="91440" bIns="45720" rtlCol="0"/>
+          <a:lstStyle>
+            <a:lvl1pPr algn="r">
+              <a:defRPr sz="1200"/>
+            </a:lvl1pPr>
+          </a:lstStyle>
+          <a:p>
+            <a:fld id="{E0A557E7-9200-44AC-8CE0-10E409153EB4}" type="datetimeFigureOut">
+              <a:rPr lang="en-AU" smtClean="0"/>
+              <a:t>1/09/2025</a:t>
+            </a:fld>
+            <a:endParaRPr lang="en-AU"/>
+          </a:p>
+        </p:txBody>
+      </p:sp>
+      <p:sp>
+        <p:nvSpPr>
+          <p:cNvPr id="4" name="Slide Image Placeholder 3"/>
+          <p:cNvSpPr>
+            <a:spLocks noGrp="1" noRot="1" noChangeAspect="1"/>
+          </p:cNvSpPr>
+          <p:nvPr>
+            <p:ph type="sldImg" idx="2"/>
+          </p:nvPr>
+        </p:nvSpPr>
+        <p:spPr>
+          <a:xfrm>
+            <a:off x="685800" y="1143000"/>
+            <a:ext cx="5486400" cy="3086100"/>
+          </a:xfrm>
+          <a:prstGeom prst="rect">
+            <a:avLst/>
+          </a:prstGeom>
+          <a:noFill/>
+          <a:ln w="12700">
+            <a:solidFill>
+              <a:prstClr val="black"/>
+            </a:solidFill>
+          </a:ln>
+        </p:spPr>
+        <p:txBody>
+          <a:bodyPr vert="horz" lIns="91440" tIns="45720" rIns="91440" bIns="45720" rtlCol="0" anchor="ctr"/>
+          <a:lstStyle/>
+          <a:p>
+            <a:endParaRPr lang="en-AU"/>
+          </a:p>
+        </p:txBody>
+      </p:sp>
+      <p:sp>
+        <p:nvSpPr>
+          <p:cNvPr id="5" name="Notes Placeholder 4"/>
+          <p:cNvSpPr>
+            <a:spLocks noGrp="1"/>
+          </p:cNvSpPr>
+          <p:nvPr>
+            <p:ph type="body" sz="quarter" idx="3"/>
+          </p:nvPr>
+        </p:nvSpPr>
+        <p:spPr>
+          <a:xfrm>
+            <a:off x="685800" y="4400550"/>
+            <a:ext cx="5486400" cy="3600450"/>
+          </a:xfrm>
+          <a:prstGeom prst="rect">
+            <a:avLst/>
+          </a:prstGeom>
+        </p:spPr>
+        <p:txBody>
+          <a:bodyPr vert="horz" lIns="91440" tIns="45720" rIns="91440" bIns="45720" rtlCol="0"/>
+          <a:lstStyle/>
+          <a:p>
+            <a:pPr lvl="0"/>
+            <a:r>
+              <a:rPr lang="en-US"/>
+              <a:t>Click to edit Master text styles</a:t>
+            </a:r>
+          </a:p>
+          <a:p>
+            <a:pPr lvl="1"/>
+            <a:r>
+              <a:rPr lang="en-US"/>
+              <a:t>Second level</a:t>
+            </a:r>
+          </a:p>
+          <a:p>
+            <a:pPr lvl="2"/>
+            <a:r>
+              <a:rPr lang="en-US"/>
+              <a:t>Third level</a:t>
+            </a:r>
+          </a:p>
+          <a:p>
+            <a:pPr lvl="3"/>
+            <a:r>
+              <a:rPr lang="en-US"/>
+              <a:t>Fourth level</a:t>
+            </a:r>
+          </a:p>
+          <a:p>
+            <a:pPr lvl="4"/>
+            <a:r>
+              <a:rPr lang="en-US"/>
+              <a:t>Fifth level</a:t>
+            </a:r>
+            <a:endParaRPr lang="en-AU"/>
+          </a:p>
+        </p:txBody>
+      </p:sp>
+      <p:sp>
+        <p:nvSpPr>
+          <p:cNvPr id="6" name="Footer Placeholder 5"/>
+          <p:cNvSpPr>
+            <a:spLocks noGrp="1"/>
+          </p:cNvSpPr>
+          <p:nvPr>
+            <p:ph type="ftr" sz="quarter" idx="4"/>
+          </p:nvPr>
+        </p:nvSpPr>
+        <p:spPr>
+          <a:xfrm>
+            <a:off x="0" y="8685213"/>
+            <a:ext cx="2971800" cy="458787"/>
+          </a:xfrm>
+          <a:prstGeom prst="rect">
+            <a:avLst/>
+          </a:prstGeom>
+        </p:spPr>
+        <p:txBody>
+          <a:bodyPr vert="horz" lIns="91440" tIns="45720" rIns="91440" bIns="45720" rtlCol="0" anchor="b"/>
+          <a:lstStyle>
+            <a:lvl1pPr algn="l">
+              <a:defRPr sz="1200"/>
+            </a:lvl1pPr>
+          </a:lstStyle>
+          <a:p>
+            <a:endParaRPr lang="en-AU"/>
+          </a:p>
+        </p:txBody>
+      </p:sp>
+      <p:sp>
+        <p:nvSpPr>
+          <p:cNvPr id="7" name="Slide Number Placeholder 6"/>
+          <p:cNvSpPr>
+            <a:spLocks noGrp="1"/>
+          </p:cNvSpPr>
+          <p:nvPr>
+            <p:ph type="sldNum" sz="quarter" idx="5"/>
+          </p:nvPr>
+        </p:nvSpPr>
+        <p:spPr>
+          <a:xfrm>
+            <a:off x="3884613" y="8685213"/>
+            <a:ext cx="2971800" cy="458787"/>
+          </a:xfrm>
+          <a:prstGeom prst="rect">
+            <a:avLst/>
+          </a:prstGeom>
+        </p:spPr>
+        <p:txBody>
+          <a:bodyPr vert="horz" lIns="91440" tIns="45720" rIns="91440" bIns="45720" rtlCol="0" anchor="b"/>
+          <a:lstStyle>
+            <a:lvl1pPr algn="r">
+              <a:defRPr sz="1200"/>
+            </a:lvl1pPr>
+          </a:lstStyle>
+          <a:p>
+            <a:fld id="{CE0CFD63-98F3-46F0-84B0-F5431B4561A6}" type="slidenum">
+              <a:rPr lang="en-AU" smtClean="0"/>
+              <a:t>‹#›</a:t>
+            </a:fld>
+            <a:endParaRPr lang="en-AU"/>
+          </a:p>
+        </p:txBody>
+      </p:sp>
+    </p:spTree>
+    <p:extLst>
+      <p:ext uri="{BB962C8B-B14F-4D97-AF65-F5344CB8AC3E}">
+        <p14:creationId xmlns:p14="http://schemas.microsoft.com/office/powerpoint/2010/main" val="1817756470"/>
+      </p:ext>
+    </p:extLst>
+  </p:cSld>
+  <p:clrMap bg1="lt1" tx1="dk1" bg2="lt2" tx2="dk2" accent1="accent1" accent2="accent2" accent3="accent3" accent4="accent4" accent5="accent5" accent6="accent6" hlink="hlink" folHlink="folHlink"/>
+  <p:notesStyle>
+    <a:lvl1pPr marL="0" algn="l" defTabSz="914400" rtl="0" eaLnBrk="1" latinLnBrk="0" hangingPunct="1">
+      <a:defRPr sz="1200" kern="1200">
+        <a:solidFill>
+          <a:schemeClr val="tx1"/>
+        </a:solidFill>
+        <a:latin typeface="+mn-lt"/>
+        <a:ea typeface="+mn-ea"/>
+        <a:cs typeface="+mn-cs"/>
+      </a:defRPr>
+    </a:lvl1pPr>
+    <a:lvl2pPr marL="457200" algn="l" defTabSz="914400" rtl="0" eaLnBrk="1" latinLnBrk="0" hangingPunct="1">
+      <a:defRPr sz="1200" kern="1200">
+        <a:solidFill>
+          <a:schemeClr val="tx1"/>
+        </a:solidFill>
+        <a:latin typeface="+mn-lt"/>
+        <a:ea typeface="+mn-ea"/>
+        <a:cs typeface="+mn-cs"/>
+      </a:defRPr>
+    </a:lvl2pPr>
+    <a:lvl3pPr marL="914400" algn="l" defTabSz="914400" rtl="0" eaLnBrk="1" latinLnBrk="0" hangingPunct="1">
+      <a:defRPr sz="1200" kern="1200">
+        <a:solidFill>
+          <a:schemeClr val="tx1"/>
+        </a:solidFill>
+        <a:latin typeface="+mn-lt"/>
+        <a:ea typeface="+mn-ea"/>
+        <a:cs typeface="+mn-cs"/>
+      </a:defRPr>
+    </a:lvl3pPr>
+    <a:lvl4pPr marL="1371600" algn="l" defTabSz="914400" rtl="0" eaLnBrk="1" latinLnBrk="0" hangingPunct="1">
+      <a:defRPr sz="1200" kern="1200">
+        <a:solidFill>
+          <a:schemeClr val="tx1"/>
+        </a:solidFill>
+        <a:latin typeface="+mn-lt"/>
+        <a:ea typeface="+mn-ea"/>
+        <a:cs typeface="+mn-cs"/>
+      </a:defRPr>
+    </a:lvl4pPr>
+    <a:lvl5pPr marL="1828800" algn="l" defTabSz="914400" rtl="0" eaLnBrk="1" latinLnBrk="0" hangingPunct="1">
+      <a:defRPr sz="1200" kern="1200">
+        <a:solidFill>
+          <a:schemeClr val="tx1"/>
+        </a:solidFill>
+        <a:latin typeface="+mn-lt"/>
+        <a:ea typeface="+mn-ea"/>
+        <a:cs typeface="+mn-cs"/>
+      </a:defRPr>
+    </a:lvl5pPr>
+    <a:lvl6pPr marL="2286000" algn="l" defTabSz="914400" rtl="0" eaLnBrk="1" latinLnBrk="0" hangingPunct="1">
+      <a:defRPr sz="1200" kern="1200">
+        <a:solidFill>
+          <a:schemeClr val="tx1"/>
+        </a:solidFill>
+        <a:latin typeface="+mn-lt"/>
+        <a:ea typeface="+mn-ea"/>
+        <a:cs typeface="+mn-cs"/>
+      </a:defRPr>
+    </a:lvl6pPr>
+    <a:lvl7pPr marL="2743200" algn="l" defTabSz="914400" rtl="0" eaLnBrk="1" latinLnBrk="0" hangingPunct="1">
+      <a:defRPr sz="1200" kern="1200">
+        <a:solidFill>
+          <a:schemeClr val="tx1"/>
+        </a:solidFill>
+        <a:latin typeface="+mn-lt"/>
+        <a:ea typeface="+mn-ea"/>
+        <a:cs typeface="+mn-cs"/>
+      </a:defRPr>
+    </a:lvl7pPr>
+    <a:lvl8pPr marL="3200400" algn="l" defTabSz="914400" rtl="0" eaLnBrk="1" latinLnBrk="0" hangingPunct="1">
+      <a:defRPr sz="1200" kern="1200">
+        <a:solidFill>
+          <a:schemeClr val="tx1"/>
+        </a:solidFill>
+        <a:latin typeface="+mn-lt"/>
+        <a:ea typeface="+mn-ea"/>
+        <a:cs typeface="+mn-cs"/>
+      </a:defRPr>
+    </a:lvl8pPr>
+    <a:lvl9pPr marL="3657600" algn="l" defTabSz="914400" rtl="0" eaLnBrk="1" latinLnBrk="0" hangingPunct="1">
+      <a:defRPr sz="1200" kern="1200">
+        <a:solidFill>
+          <a:schemeClr val="tx1"/>
+        </a:solidFill>
+        <a:latin typeface="+mn-lt"/>
+        <a:ea typeface="+mn-ea"/>
+        <a:cs typeface="+mn-cs"/>
+      </a:defRPr>
+    </a:lvl9pPr>
+  </p:notesStyle>
+</p:notesMaster>
+</file>
+
+<file path=ppt/notesSlides/notesSlide1.xml><?xml version="1.0" encoding="utf-8"?>
+<p:notes xmlns:a="http://schemas.openxmlformats.org/drawingml/2006/main" xmlns:r="http://schemas.openxmlformats.org/officeDocument/2006/relationships" xmlns:p="http://schemas.openxmlformats.org/presentationml/2006/main">
+  <p:cSld>
+    <p:spTree>
+      <p:nvGrpSpPr>
+        <p:cNvPr id="1" name=""/>
+        <p:cNvGrpSpPr/>
+        <p:nvPr/>
+      </p:nvGrpSpPr>
+      <p:grpSpPr>
+        <a:xfrm>
+          <a:off x="0" y="0"/>
+          <a:ext cx="0" cy="0"/>
+          <a:chOff x="0" y="0"/>
+          <a:chExt cx="0" cy="0"/>
+        </a:xfrm>
+      </p:grpSpPr>
+      <p:sp>
+        <p:nvSpPr>
+          <p:cNvPr id="2" name="Slide Image Placeholder 1"/>
+          <p:cNvSpPr>
+            <a:spLocks noGrp="1" noRot="1" noChangeAspect="1"/>
+          </p:cNvSpPr>
+          <p:nvPr>
+            <p:ph type="sldImg"/>
+          </p:nvPr>
+        </p:nvSpPr>
+        <p:spPr/>
+      </p:sp>
+      <p:sp>
+        <p:nvSpPr>
+          <p:cNvPr id="3" name="Notes Placeholder 2"/>
+          <p:cNvSpPr>
+            <a:spLocks noGrp="1"/>
+          </p:cNvSpPr>
+          <p:nvPr>
+            <p:ph type="body" idx="1"/>
+          </p:nvPr>
+        </p:nvSpPr>
+        <p:spPr/>
+        <p:txBody>
+          <a:bodyPr/>
+          <a:lstStyle/>
+          <a:p>
+            <a:pPr marL="0" marR="0" lvl="0" indent="0" algn="l" defTabSz="914400" rtl="0" eaLnBrk="1" fontAlgn="auto" latinLnBrk="0" hangingPunct="1">
+              <a:lnSpc>
+                <a:spcPct val="100000"/>
+              </a:lnSpc>
+              <a:spcBef>
+                <a:spcPts val="0"/>
+              </a:spcBef>
+              <a:spcAft>
+                <a:spcPts val="0"/>
+              </a:spcAft>
+              <a:buClrTx/>
+              <a:buSzTx/>
+              <a:buFontTx/>
+              <a:buNone/>
+              <a:tabLst/>
+              <a:defRPr/>
+            </a:pPr>
+            <a:r>
+              <a:rPr lang="en-AU" dirty="0"/>
+              <a:t>Hi everyone, welcome back to this series on building AI Agents with </a:t>
+            </a:r>
+            <a:r>
+              <a:rPr lang="en-AU" dirty="0" err="1"/>
+              <a:t>Dapr</a:t>
+            </a:r>
+            <a:r>
+              <a:rPr lang="en-AU" dirty="0"/>
+              <a:t> Agents!</a:t>
+            </a:r>
+          </a:p>
+          <a:p>
+            <a:endParaRPr lang="en-AU" dirty="0"/>
+          </a:p>
+          <a:p>
+            <a:r>
+              <a:rPr lang="en-AU" dirty="0"/>
+              <a:t>Now in this video we’re going to take a look at Advanced Prompt Chaining in </a:t>
+            </a:r>
+            <a:r>
+              <a:rPr lang="en-AU" dirty="0" err="1"/>
+              <a:t>Dapr</a:t>
+            </a:r>
+            <a:r>
+              <a:rPr lang="en-AU" dirty="0"/>
+              <a:t> Agents</a:t>
+            </a:r>
+          </a:p>
+        </p:txBody>
+      </p:sp>
+      <p:sp>
+        <p:nvSpPr>
+          <p:cNvPr id="4" name="Slide Number Placeholder 3"/>
+          <p:cNvSpPr>
+            <a:spLocks noGrp="1"/>
+          </p:cNvSpPr>
+          <p:nvPr>
+            <p:ph type="sldNum" sz="quarter" idx="5"/>
+          </p:nvPr>
+        </p:nvSpPr>
+        <p:spPr/>
+        <p:txBody>
+          <a:bodyPr/>
+          <a:lstStyle/>
+          <a:p>
+            <a:fld id="{CE0CFD63-98F3-46F0-84B0-F5431B4561A6}" type="slidenum">
+              <a:rPr lang="en-AU" smtClean="0"/>
+              <a:t>1</a:t>
+            </a:fld>
+            <a:endParaRPr lang="en-AU"/>
+          </a:p>
+        </p:txBody>
+      </p:sp>
+    </p:spTree>
+    <p:extLst>
+      <p:ext uri="{BB962C8B-B14F-4D97-AF65-F5344CB8AC3E}">
+        <p14:creationId xmlns:p14="http://schemas.microsoft.com/office/powerpoint/2010/main" val="233467885"/>
+      </p:ext>
+    </p:extLst>
+  </p:cSld>
+  <p:clrMapOvr>
+    <a:masterClrMapping/>
+  </p:clrMapOvr>
+</p:notes>
+</file>
+
+<file path=ppt/notesSlides/notesSlide2.xml><?xml version="1.0" encoding="utf-8"?>
+<p:notes xmlns:a="http://schemas.openxmlformats.org/drawingml/2006/main" xmlns:r="http://schemas.openxmlformats.org/officeDocument/2006/relationships" xmlns:p="http://schemas.openxmlformats.org/presentationml/2006/main">
+  <p:cSld>
+    <p:spTree>
+      <p:nvGrpSpPr>
+        <p:cNvPr id="1" name=""/>
+        <p:cNvGrpSpPr/>
+        <p:nvPr/>
+      </p:nvGrpSpPr>
+      <p:grpSpPr>
+        <a:xfrm>
+          <a:off x="0" y="0"/>
+          <a:ext cx="0" cy="0"/>
+          <a:chOff x="0" y="0"/>
+          <a:chExt cx="0" cy="0"/>
+        </a:xfrm>
+      </p:grpSpPr>
+      <p:sp>
+        <p:nvSpPr>
+          <p:cNvPr id="2" name="Slide Image Placeholder 1"/>
+          <p:cNvSpPr>
+            <a:spLocks noGrp="1" noRot="1" noChangeAspect="1"/>
+          </p:cNvSpPr>
+          <p:nvPr>
+            <p:ph type="sldImg"/>
+          </p:nvPr>
+        </p:nvSpPr>
+        <p:spPr/>
+      </p:sp>
+      <p:sp>
+        <p:nvSpPr>
+          <p:cNvPr id="3" name="Notes Placeholder 2"/>
+          <p:cNvSpPr>
+            <a:spLocks noGrp="1"/>
+          </p:cNvSpPr>
+          <p:nvPr>
+            <p:ph type="body" idx="1"/>
+          </p:nvPr>
+        </p:nvSpPr>
+        <p:spPr/>
+        <p:txBody>
+          <a:bodyPr/>
+          <a:lstStyle/>
+          <a:p>
+            <a:r>
+              <a:rPr lang="en-US" sz="1200" b="0" i="0" kern="1200" dirty="0">
+                <a:solidFill>
+                  <a:schemeClr val="tx1"/>
+                </a:solidFill>
+                <a:effectLst/>
+                <a:latin typeface="+mn-lt"/>
+                <a:ea typeface="+mn-ea"/>
+                <a:cs typeface="+mn-cs"/>
+              </a:rPr>
+              <a:t>The Prompt Chaining pattern decomposes a complex task into a sequence of steps, where each LLM call processes the output of the previous one. This pattern allows for breaking down complex tasks into simpler, more manageable steps with validation gates between them.</a:t>
+            </a:r>
+          </a:p>
+          <a:p>
+            <a:endParaRPr lang="en-US" sz="1200" b="0" i="0" kern="1200" dirty="0">
+              <a:solidFill>
+                <a:schemeClr val="tx1"/>
+              </a:solidFill>
+              <a:effectLst/>
+              <a:latin typeface="+mn-lt"/>
+              <a:ea typeface="+mn-ea"/>
+              <a:cs typeface="+mn-cs"/>
+            </a:endParaRPr>
+          </a:p>
+          <a:p>
+            <a:r>
+              <a:rPr lang="en-US" sz="1200" b="1" i="0" kern="1200" dirty="0">
+                <a:solidFill>
+                  <a:schemeClr val="tx1"/>
+                </a:solidFill>
+                <a:effectLst/>
+                <a:latin typeface="+mn-lt"/>
+                <a:ea typeface="+mn-ea"/>
+                <a:cs typeface="+mn-cs"/>
+              </a:rPr>
+              <a:t>Use Cases</a:t>
+            </a:r>
+          </a:p>
+          <a:p>
+            <a:endParaRPr lang="en-US" sz="1200" b="1" i="0" kern="1200" dirty="0">
+              <a:solidFill>
+                <a:schemeClr val="tx1"/>
+              </a:solidFill>
+              <a:effectLst/>
+              <a:latin typeface="+mn-lt"/>
+              <a:ea typeface="+mn-ea"/>
+              <a:cs typeface="+mn-cs"/>
+            </a:endParaRPr>
+          </a:p>
+          <a:p>
+            <a:r>
+              <a:rPr lang="en-US" sz="1200" b="1" i="0" kern="1200" dirty="0">
+                <a:solidFill>
+                  <a:schemeClr val="tx1"/>
+                </a:solidFill>
+                <a:effectLst/>
+                <a:latin typeface="+mn-lt"/>
+                <a:ea typeface="+mn-ea"/>
+                <a:cs typeface="+mn-cs"/>
+              </a:rPr>
+              <a:t>Content Generation</a:t>
+            </a:r>
+            <a:r>
+              <a:rPr lang="en-US" sz="1200" b="0" i="0" kern="1200" dirty="0">
+                <a:solidFill>
+                  <a:schemeClr val="tx1"/>
+                </a:solidFill>
+                <a:effectLst/>
+                <a:latin typeface="+mn-lt"/>
+                <a:ea typeface="+mn-ea"/>
+                <a:cs typeface="+mn-cs"/>
+              </a:rPr>
+              <a:t>: Creating outlines first, then expanding to full documents</a:t>
+            </a:r>
+          </a:p>
+          <a:p>
+            <a:r>
+              <a:rPr lang="en-US" sz="1200" b="1" i="0" kern="1200" dirty="0">
+                <a:solidFill>
+                  <a:schemeClr val="tx1"/>
+                </a:solidFill>
+                <a:effectLst/>
+                <a:latin typeface="+mn-lt"/>
+                <a:ea typeface="+mn-ea"/>
+                <a:cs typeface="+mn-cs"/>
+              </a:rPr>
+              <a:t>Multi-stage Analysis</a:t>
+            </a:r>
+            <a:r>
+              <a:rPr lang="en-US" sz="1200" b="0" i="0" kern="1200" dirty="0">
+                <a:solidFill>
+                  <a:schemeClr val="tx1"/>
+                </a:solidFill>
+                <a:effectLst/>
+                <a:latin typeface="+mn-lt"/>
+                <a:ea typeface="+mn-ea"/>
+                <a:cs typeface="+mn-cs"/>
+              </a:rPr>
+              <a:t>: Breaking complex analysis into sequential steps</a:t>
+            </a:r>
+          </a:p>
+          <a:p>
+            <a:endParaRPr lang="en-AU" dirty="0"/>
+          </a:p>
+          <a:p>
+            <a:r>
+              <a:rPr lang="en-US" sz="1200" b="1" i="0" kern="1200" dirty="0">
+                <a:solidFill>
+                  <a:schemeClr val="tx1"/>
+                </a:solidFill>
+                <a:effectLst/>
+                <a:latin typeface="+mn-lt"/>
+                <a:ea typeface="+mn-ea"/>
+                <a:cs typeface="+mn-cs"/>
+              </a:rPr>
+              <a:t>How It Works</a:t>
+            </a:r>
+          </a:p>
+          <a:p>
+            <a:r>
+              <a:rPr lang="en-US" sz="1200" b="0" i="0" kern="1200" dirty="0">
+                <a:solidFill>
+                  <a:schemeClr val="tx1"/>
+                </a:solidFill>
+                <a:effectLst/>
+                <a:latin typeface="+mn-lt"/>
+                <a:ea typeface="+mn-ea"/>
+                <a:cs typeface="+mn-cs"/>
+              </a:rPr>
+              <a:t>The key components of this implementation are:</a:t>
+            </a:r>
+          </a:p>
+          <a:p>
+            <a:endParaRPr lang="en-US" sz="1200" b="0" i="0" kern="1200" dirty="0">
+              <a:solidFill>
+                <a:schemeClr val="tx1"/>
+              </a:solidFill>
+              <a:effectLst/>
+              <a:latin typeface="+mn-lt"/>
+              <a:ea typeface="+mn-ea"/>
+              <a:cs typeface="+mn-cs"/>
+            </a:endParaRPr>
+          </a:p>
+          <a:p>
+            <a:r>
+              <a:rPr lang="en-US" sz="1200" b="1" i="0" kern="1200" dirty="0">
+                <a:solidFill>
+                  <a:schemeClr val="tx1"/>
+                </a:solidFill>
+                <a:effectLst/>
+                <a:latin typeface="+mn-lt"/>
+                <a:ea typeface="+mn-ea"/>
+                <a:cs typeface="+mn-cs"/>
+              </a:rPr>
+              <a:t>Sequential Tasks</a:t>
+            </a:r>
+            <a:r>
+              <a:rPr lang="en-US" sz="1200" b="0" i="0" kern="1200" dirty="0">
+                <a:solidFill>
+                  <a:schemeClr val="tx1"/>
+                </a:solidFill>
+                <a:effectLst/>
+                <a:latin typeface="+mn-lt"/>
+                <a:ea typeface="+mn-ea"/>
+                <a:cs typeface="+mn-cs"/>
+              </a:rPr>
+              <a:t>: The workflow chains multiple LLM operations together, with each building on the previous step's output.</a:t>
+            </a:r>
+          </a:p>
+          <a:p>
+            <a:r>
+              <a:rPr lang="en-US" sz="1200" b="1" i="0" kern="1200" dirty="0">
+                <a:solidFill>
+                  <a:schemeClr val="tx1"/>
+                </a:solidFill>
+                <a:effectLst/>
+                <a:latin typeface="+mn-lt"/>
+                <a:ea typeface="+mn-ea"/>
+                <a:cs typeface="+mn-cs"/>
+              </a:rPr>
+              <a:t>Validation Gate</a:t>
+            </a:r>
+            <a:r>
+              <a:rPr lang="en-US" sz="1200" b="0" i="0" kern="1200" dirty="0">
+                <a:solidFill>
+                  <a:schemeClr val="tx1"/>
+                </a:solidFill>
+                <a:effectLst/>
+                <a:latin typeface="+mn-lt"/>
+                <a:ea typeface="+mn-ea"/>
+                <a:cs typeface="+mn-cs"/>
+              </a:rPr>
+              <a:t>: A simple check ensures the extracted destination is valid before proceeding to more complex (and costly) operations.</a:t>
+            </a:r>
+          </a:p>
+          <a:p>
+            <a:r>
+              <a:rPr lang="en-US" sz="1200" b="1" i="0" kern="1200" dirty="0">
+                <a:solidFill>
+                  <a:schemeClr val="tx1"/>
+                </a:solidFill>
+                <a:effectLst/>
+                <a:latin typeface="+mn-lt"/>
+                <a:ea typeface="+mn-ea"/>
+                <a:cs typeface="+mn-cs"/>
+              </a:rPr>
+              <a:t>Multiple Execution Types</a:t>
+            </a:r>
+            <a:r>
+              <a:rPr lang="en-US" sz="1200" b="0" i="0" kern="1200" dirty="0">
+                <a:solidFill>
+                  <a:schemeClr val="tx1"/>
+                </a:solidFill>
+                <a:effectLst/>
+                <a:latin typeface="+mn-lt"/>
+                <a:ea typeface="+mn-ea"/>
+                <a:cs typeface="+mn-cs"/>
+              </a:rPr>
+              <a:t>:</a:t>
+            </a:r>
+          </a:p>
+          <a:p>
+            <a:pPr lvl="1"/>
+            <a:r>
+              <a:rPr lang="en-US" sz="1200" b="0" i="0" kern="1200" dirty="0">
+                <a:solidFill>
+                  <a:schemeClr val="tx1"/>
+                </a:solidFill>
+                <a:effectLst/>
+                <a:latin typeface="+mn-lt"/>
+                <a:ea typeface="+mn-ea"/>
+                <a:cs typeface="+mn-cs"/>
+              </a:rPr>
+              <a:t>Simple prompt (destination extraction): Uses a basic prompt without an agent</a:t>
+            </a:r>
+          </a:p>
+          <a:p>
+            <a:pPr lvl="1"/>
+            <a:r>
+              <a:rPr lang="en-US" sz="1200" b="0" i="0" kern="1200" dirty="0">
+                <a:solidFill>
+                  <a:schemeClr val="tx1"/>
+                </a:solidFill>
+                <a:effectLst/>
+                <a:latin typeface="+mn-lt"/>
+                <a:ea typeface="+mn-ea"/>
+                <a:cs typeface="+mn-cs"/>
+              </a:rPr>
+              <a:t>Planning agent (outline creation): Uses an agent with tools for attraction search</a:t>
+            </a:r>
+          </a:p>
+          <a:p>
+            <a:pPr lvl="1"/>
+            <a:r>
+              <a:rPr lang="en-US" sz="1200" b="0" i="0" kern="1200" dirty="0">
+                <a:solidFill>
+                  <a:schemeClr val="tx1"/>
+                </a:solidFill>
+                <a:effectLst/>
+                <a:latin typeface="+mn-lt"/>
+                <a:ea typeface="+mn-ea"/>
+                <a:cs typeface="+mn-cs"/>
+              </a:rPr>
+              <a:t>Itinerary agent (detail expansion): Uses an agent without tools for creative content generation</a:t>
+            </a:r>
+          </a:p>
+          <a:p>
+            <a:r>
+              <a:rPr lang="en-US" sz="1200" b="1" i="0" kern="1200" dirty="0">
+                <a:solidFill>
+                  <a:schemeClr val="tx1"/>
+                </a:solidFill>
+                <a:effectLst/>
+                <a:latin typeface="+mn-lt"/>
+                <a:ea typeface="+mn-ea"/>
+                <a:cs typeface="+mn-cs"/>
+              </a:rPr>
+              <a:t>Tool Integration</a:t>
+            </a:r>
+            <a:r>
+              <a:rPr lang="en-US" sz="1200" b="0" i="0" kern="1200" dirty="0">
+                <a:solidFill>
+                  <a:schemeClr val="tx1"/>
+                </a:solidFill>
+                <a:effectLst/>
+                <a:latin typeface="+mn-lt"/>
+                <a:ea typeface="+mn-ea"/>
+                <a:cs typeface="+mn-cs"/>
+              </a:rPr>
+              <a:t>: The planning agent uses a tool to search for attractions based on type.</a:t>
+            </a:r>
+          </a:p>
+          <a:p>
+            <a:endParaRPr lang="en-US" sz="1200" b="0" i="0" kern="1200" dirty="0">
+              <a:solidFill>
+                <a:schemeClr val="tx1"/>
+              </a:solidFill>
+              <a:effectLst/>
+              <a:latin typeface="+mn-lt"/>
+              <a:ea typeface="+mn-ea"/>
+              <a:cs typeface="+mn-cs"/>
+            </a:endParaRPr>
+          </a:p>
+          <a:p>
+            <a:r>
+              <a:rPr lang="en-US" sz="1200" b="1" i="0" kern="1200" dirty="0">
+                <a:solidFill>
+                  <a:schemeClr val="tx1"/>
+                </a:solidFill>
+                <a:effectLst/>
+                <a:latin typeface="+mn-lt"/>
+                <a:ea typeface="+mn-ea"/>
+                <a:cs typeface="+mn-cs"/>
+              </a:rPr>
+              <a:t>When to Use This Pattern</a:t>
+            </a:r>
+          </a:p>
+          <a:p>
+            <a:r>
+              <a:rPr lang="en-US" sz="1200" b="0" i="0" kern="1200" dirty="0">
+                <a:solidFill>
+                  <a:schemeClr val="tx1"/>
+                </a:solidFill>
+                <a:effectLst/>
+                <a:latin typeface="+mn-lt"/>
+                <a:ea typeface="+mn-ea"/>
+                <a:cs typeface="+mn-cs"/>
+              </a:rPr>
+              <a:t>This pattern is ideal when:</a:t>
+            </a:r>
+          </a:p>
+          <a:p>
+            <a:r>
+              <a:rPr lang="en-US" sz="1200" b="0" i="0" kern="1200" dirty="0">
+                <a:solidFill>
+                  <a:schemeClr val="tx1"/>
+                </a:solidFill>
+                <a:effectLst/>
+                <a:latin typeface="+mn-lt"/>
+                <a:ea typeface="+mn-ea"/>
+                <a:cs typeface="+mn-cs"/>
+              </a:rPr>
+              <a:t>Tasks can be naturally decomposed into sequential steps</a:t>
+            </a:r>
+          </a:p>
+          <a:p>
+            <a:r>
+              <a:rPr lang="en-US" sz="1200" b="0" i="0" kern="1200" dirty="0">
+                <a:solidFill>
+                  <a:schemeClr val="tx1"/>
+                </a:solidFill>
+                <a:effectLst/>
+                <a:latin typeface="+mn-lt"/>
+                <a:ea typeface="+mn-ea"/>
+                <a:cs typeface="+mn-cs"/>
+              </a:rPr>
+              <a:t>Each step builds on the output of the previous step</a:t>
+            </a:r>
+          </a:p>
+          <a:p>
+            <a:r>
+              <a:rPr lang="en-US" sz="1200" b="0" i="0" kern="1200" dirty="0">
+                <a:solidFill>
+                  <a:schemeClr val="tx1"/>
+                </a:solidFill>
+                <a:effectLst/>
+                <a:latin typeface="+mn-lt"/>
+                <a:ea typeface="+mn-ea"/>
+                <a:cs typeface="+mn-cs"/>
+              </a:rPr>
+              <a:t>You need validation between processing steps</a:t>
+            </a:r>
+          </a:p>
+          <a:p>
+            <a:r>
+              <a:rPr lang="en-US" sz="1200" b="0" i="0" kern="1200" dirty="0">
+                <a:solidFill>
+                  <a:schemeClr val="tx1"/>
+                </a:solidFill>
+                <a:effectLst/>
+                <a:latin typeface="+mn-lt"/>
+                <a:ea typeface="+mn-ea"/>
+                <a:cs typeface="+mn-cs"/>
+              </a:rPr>
+              <a:t>You're willing to trade some latency for higher quality results</a:t>
+            </a:r>
+          </a:p>
+          <a:p>
+            <a:endParaRPr lang="en-AU" dirty="0"/>
+          </a:p>
+        </p:txBody>
+      </p:sp>
+      <p:sp>
+        <p:nvSpPr>
+          <p:cNvPr id="4" name="Slide Number Placeholder 3"/>
+          <p:cNvSpPr>
+            <a:spLocks noGrp="1"/>
+          </p:cNvSpPr>
+          <p:nvPr>
+            <p:ph type="sldNum" sz="quarter" idx="5"/>
+          </p:nvPr>
+        </p:nvSpPr>
+        <p:spPr/>
+        <p:txBody>
+          <a:bodyPr/>
+          <a:lstStyle/>
+          <a:p>
+            <a:fld id="{CE0CFD63-98F3-46F0-84B0-F5431B4561A6}" type="slidenum">
+              <a:rPr lang="en-AU" smtClean="0"/>
+              <a:t>2</a:t>
+            </a:fld>
+            <a:endParaRPr lang="en-AU"/>
+          </a:p>
+        </p:txBody>
+      </p:sp>
+    </p:spTree>
+    <p:extLst>
+      <p:ext uri="{BB962C8B-B14F-4D97-AF65-F5344CB8AC3E}">
+        <p14:creationId xmlns:p14="http://schemas.microsoft.com/office/powerpoint/2010/main" val="3891344184"/>
+      </p:ext>
+    </p:extLst>
+  </p:cSld>
+  <p:clrMapOvr>
+    <a:masterClrMapping/>
+  </p:clrMapOvr>
+</p:notes>
+</file>
+
+<file path=ppt/notesSlides/notesSlide3.xml><?xml version="1.0" encoding="utf-8"?>
+<p:notes xmlns:a="http://schemas.openxmlformats.org/drawingml/2006/main" xmlns:r="http://schemas.openxmlformats.org/officeDocument/2006/relationships" xmlns:p="http://schemas.openxmlformats.org/presentationml/2006/main">
+  <p:cSld>
+    <p:spTree>
+      <p:nvGrpSpPr>
+        <p:cNvPr id="1" name=""/>
+        <p:cNvGrpSpPr/>
+        <p:nvPr/>
+      </p:nvGrpSpPr>
+      <p:grpSpPr>
+        <a:xfrm>
+          <a:off x="0" y="0"/>
+          <a:ext cx="0" cy="0"/>
+          <a:chOff x="0" y="0"/>
+          <a:chExt cx="0" cy="0"/>
+        </a:xfrm>
+      </p:grpSpPr>
+      <p:sp>
+        <p:nvSpPr>
+          <p:cNvPr id="2" name="Slide Image Placeholder 1"/>
+          <p:cNvSpPr>
+            <a:spLocks noGrp="1" noRot="1" noChangeAspect="1"/>
+          </p:cNvSpPr>
+          <p:nvPr>
+            <p:ph type="sldImg"/>
+          </p:nvPr>
+        </p:nvSpPr>
+        <p:spPr/>
+      </p:sp>
+      <p:sp>
+        <p:nvSpPr>
+          <p:cNvPr id="3" name="Notes Placeholder 2"/>
+          <p:cNvSpPr>
+            <a:spLocks noGrp="1"/>
+          </p:cNvSpPr>
+          <p:nvPr>
+            <p:ph type="body" idx="1"/>
+          </p:nvPr>
+        </p:nvSpPr>
+        <p:spPr/>
+        <p:txBody>
+          <a:bodyPr/>
+          <a:lstStyle/>
+          <a:p>
+            <a:r>
+              <a:rPr lang="en-AU" dirty="0"/>
+              <a:t>So now let’s jump into some code and see how we can implement the Prompt Chaining pattern in </a:t>
+            </a:r>
+            <a:r>
+              <a:rPr lang="en-AU" dirty="0" err="1"/>
+              <a:t>Dapr</a:t>
+            </a:r>
+            <a:r>
+              <a:rPr lang="en-AU" dirty="0"/>
+              <a:t> Agents</a:t>
+            </a:r>
+          </a:p>
+        </p:txBody>
+      </p:sp>
+      <p:sp>
+        <p:nvSpPr>
+          <p:cNvPr id="4" name="Slide Number Placeholder 3"/>
+          <p:cNvSpPr>
+            <a:spLocks noGrp="1"/>
+          </p:cNvSpPr>
+          <p:nvPr>
+            <p:ph type="sldNum" sz="quarter" idx="5"/>
+          </p:nvPr>
+        </p:nvSpPr>
+        <p:spPr/>
+        <p:txBody>
+          <a:bodyPr/>
+          <a:lstStyle/>
+          <a:p>
+            <a:fld id="{CE0CFD63-98F3-46F0-84B0-F5431B4561A6}" type="slidenum">
+              <a:rPr lang="en-AU" smtClean="0"/>
+              <a:t>3</a:t>
+            </a:fld>
+            <a:endParaRPr lang="en-AU"/>
+          </a:p>
+        </p:txBody>
+      </p:sp>
+    </p:spTree>
+    <p:extLst>
+      <p:ext uri="{BB962C8B-B14F-4D97-AF65-F5344CB8AC3E}">
+        <p14:creationId xmlns:p14="http://schemas.microsoft.com/office/powerpoint/2010/main" val="1019365919"/>
+      </p:ext>
+    </p:extLst>
+  </p:cSld>
+  <p:clrMapOvr>
+    <a:masterClrMapping/>
+  </p:clrMapOvr>
+</p:notes>
+</file>
+
 <file path=ppt/slideLayouts/slideLayout1.xml><?xml version="1.0" encoding="utf-8"?>
 <p:sldLayout xmlns:a="http://schemas.openxmlformats.org/drawingml/2006/main" xmlns:r="http://schemas.openxmlformats.org/officeDocument/2006/relationships" xmlns:p="http://schemas.openxmlformats.org/presentationml/2006/main" showMasterSp="0" type="title" preserve="1">
   <p:cSld name="Title Slide">
@@ -4798,7 +5851,7 @@
           <a:p>
             <a:fld id="{52DBBF04-BF71-4885-8EE9-E559FF56427C}" type="datetimeFigureOut">
               <a:rPr lang="en-AU" smtClean="0"/>
-              <a:t>30/08/2025</a:t>
+              <a:t>1/09/2025</a:t>
             </a:fld>
             <a:endParaRPr lang="en-AU"/>
           </a:p>
@@ -5119,7 +6172,7 @@
           <a:p>
             <a:fld id="{52DBBF04-BF71-4885-8EE9-E559FF56427C}" type="datetimeFigureOut">
               <a:rPr lang="en-AU" smtClean="0"/>
-              <a:t>30/08/2025</a:t>
+              <a:t>1/09/2025</a:t>
             </a:fld>
             <a:endParaRPr lang="en-AU"/>
           </a:p>
@@ -5232,7 +6285,7 @@
           <a:p>
             <a:fld id="{52DBBF04-BF71-4885-8EE9-E559FF56427C}" type="datetimeFigureOut">
               <a:rPr lang="en-AU" smtClean="0"/>
-              <a:t>30/08/2025</a:t>
+              <a:t>1/09/2025</a:t>
             </a:fld>
             <a:endParaRPr lang="en-AU"/>
           </a:p>
@@ -5520,7 +6573,7 @@
           <a:p>
             <a:fld id="{52DBBF04-BF71-4885-8EE9-E559FF56427C}" type="datetimeFigureOut">
               <a:rPr lang="en-AU" smtClean="0"/>
-              <a:t>30/08/2025</a:t>
+              <a:t>1/09/2025</a:t>
             </a:fld>
             <a:endParaRPr lang="en-AU"/>
           </a:p>
@@ -5812,7 +6865,7 @@
           <a:p>
             <a:fld id="{52DBBF04-BF71-4885-8EE9-E559FF56427C}" type="datetimeFigureOut">
               <a:rPr lang="en-AU" smtClean="0"/>
-              <a:t>30/08/2025</a:t>
+              <a:t>1/09/2025</a:t>
             </a:fld>
             <a:endParaRPr lang="en-AU"/>
           </a:p>
@@ -6146,7 +7199,7 @@
           <a:p>
             <a:fld id="{52DBBF04-BF71-4885-8EE9-E559FF56427C}" type="datetimeFigureOut">
               <a:rPr lang="en-AU" smtClean="0"/>
-              <a:t>30/08/2025</a:t>
+              <a:t>1/09/2025</a:t>
             </a:fld>
             <a:endParaRPr lang="en-AU"/>
           </a:p>
@@ -6542,7 +7595,7 @@
           <a:p>
             <a:fld id="{52DBBF04-BF71-4885-8EE9-E559FF56427C}" type="datetimeFigureOut">
               <a:rPr lang="en-AU" smtClean="0"/>
-              <a:t>30/08/2025</a:t>
+              <a:t>1/09/2025</a:t>
             </a:fld>
             <a:endParaRPr lang="en-AU"/>
           </a:p>
@@ -6929,7 +7982,7 @@
           <a:p>
             <a:fld id="{52DBBF04-BF71-4885-8EE9-E559FF56427C}" type="datetimeFigureOut">
               <a:rPr lang="en-AU" smtClean="0"/>
-              <a:t>30/08/2025</a:t>
+              <a:t>1/09/2025</a:t>
             </a:fld>
             <a:endParaRPr lang="en-AU"/>
           </a:p>
@@ -7234,7 +8287,7 @@
           <a:p>
             <a:fld id="{52DBBF04-BF71-4885-8EE9-E559FF56427C}" type="datetimeFigureOut">
               <a:rPr lang="en-AU" smtClean="0"/>
-              <a:t>30/08/2025</a:t>
+              <a:t>1/09/2025</a:t>
             </a:fld>
             <a:endParaRPr lang="en-AU"/>
           </a:p>
@@ -7479,7 +8532,7 @@
           <a:p>
             <a:fld id="{52DBBF04-BF71-4885-8EE9-E559FF56427C}" type="datetimeFigureOut">
               <a:rPr lang="en-AU" smtClean="0"/>
-              <a:t>30/08/2025</a:t>
+              <a:t>1/09/2025</a:t>
             </a:fld>
             <a:endParaRPr lang="en-AU"/>
           </a:p>
@@ -7715,7 +8768,7 @@
           <a:p>
             <a:fld id="{52DBBF04-BF71-4885-8EE9-E559FF56427C}" type="datetimeFigureOut">
               <a:rPr lang="en-AU" smtClean="0"/>
-              <a:t>30/08/2025</a:t>
+              <a:t>1/09/2025</a:t>
             </a:fld>
             <a:endParaRPr lang="en-AU"/>
           </a:p>
@@ -7999,7 +9052,7 @@
           <a:p>
             <a:fld id="{52DBBF04-BF71-4885-8EE9-E559FF56427C}" type="datetimeFigureOut">
               <a:rPr lang="en-AU" smtClean="0"/>
-              <a:t>30/08/2025</a:t>
+              <a:t>1/09/2025</a:t>
             </a:fld>
             <a:endParaRPr lang="en-AU"/>
           </a:p>
@@ -8320,7 +9373,7 @@
           <a:p>
             <a:fld id="{52DBBF04-BF71-4885-8EE9-E559FF56427C}" type="datetimeFigureOut">
               <a:rPr lang="en-AU" smtClean="0"/>
-              <a:t>30/08/2025</a:t>
+              <a:t>1/09/2025</a:t>
             </a:fld>
             <a:endParaRPr lang="en-AU"/>
           </a:p>
@@ -8579,7 +9632,7 @@
           <a:p>
             <a:fld id="{52DBBF04-BF71-4885-8EE9-E559FF56427C}" type="datetimeFigureOut">
               <a:rPr lang="en-AU" smtClean="0"/>
-              <a:t>30/08/2025</a:t>
+              <a:t>1/09/2025</a:t>
             </a:fld>
             <a:endParaRPr lang="en-AU"/>
           </a:p>
@@ -8793,7 +9846,7 @@
           <a:p>
             <a:fld id="{52DBBF04-BF71-4885-8EE9-E559FF56427C}" type="datetimeFigureOut">
               <a:rPr lang="en-AU" smtClean="0"/>
-              <a:t>30/08/2025</a:t>
+              <a:t>1/09/2025</a:t>
             </a:fld>
             <a:endParaRPr lang="en-AU"/>
           </a:p>
@@ -8991,7 +10044,7 @@
           <a:p>
             <a:fld id="{52DBBF04-BF71-4885-8EE9-E559FF56427C}" type="datetimeFigureOut">
               <a:rPr lang="en-AU" smtClean="0"/>
-              <a:t>30/08/2025</a:t>
+              <a:t>1/09/2025</a:t>
             </a:fld>
             <a:endParaRPr lang="en-AU"/>
           </a:p>
@@ -9228,7 +10281,7 @@
           <a:p>
             <a:fld id="{52DBBF04-BF71-4885-8EE9-E559FF56427C}" type="datetimeFigureOut">
               <a:rPr lang="en-AU" smtClean="0"/>
-              <a:t>30/08/2025</a:t>
+              <a:t>1/09/2025</a:t>
             </a:fld>
             <a:endParaRPr lang="en-AU"/>
           </a:p>
@@ -9443,7 +10496,7 @@
           <a:p>
             <a:fld id="{52DBBF04-BF71-4885-8EE9-E559FF56427C}" type="datetimeFigureOut">
               <a:rPr lang="en-AU" smtClean="0"/>
-              <a:t>30/08/2025</a:t>
+              <a:t>1/09/2025</a:t>
             </a:fld>
             <a:endParaRPr lang="en-AU"/>
           </a:p>
@@ -9659,7 +10712,7 @@
           <a:p>
             <a:fld id="{52DBBF04-BF71-4885-8EE9-E559FF56427C}" type="datetimeFigureOut">
               <a:rPr lang="en-AU" smtClean="0"/>
-              <a:t>30/08/2025</a:t>
+              <a:t>1/09/2025</a:t>
             </a:fld>
             <a:endParaRPr lang="en-AU"/>
           </a:p>
@@ -9874,7 +10927,7 @@
           <a:p>
             <a:fld id="{52DBBF04-BF71-4885-8EE9-E559FF56427C}" type="datetimeFigureOut">
               <a:rPr lang="en-AU" smtClean="0"/>
-              <a:t>30/08/2025</a:t>
+              <a:t>1/09/2025</a:t>
             </a:fld>
             <a:endParaRPr lang="en-AU"/>
           </a:p>
@@ -10181,7 +11234,7 @@
           <a:p>
             <a:fld id="{52DBBF04-BF71-4885-8EE9-E559FF56427C}" type="datetimeFigureOut">
               <a:rPr lang="en-AU" smtClean="0"/>
-              <a:t>30/08/2025</a:t>
+              <a:t>1/09/2025</a:t>
             </a:fld>
             <a:endParaRPr lang="en-AU"/>
           </a:p>
@@ -10541,7 +11594,7 @@
           <a:p>
             <a:fld id="{52DBBF04-BF71-4885-8EE9-E559FF56427C}" type="datetimeFigureOut">
               <a:rPr lang="en-AU" smtClean="0"/>
-              <a:t>30/08/2025</a:t>
+              <a:t>1/09/2025</a:t>
             </a:fld>
             <a:endParaRPr lang="en-AU"/>
           </a:p>
@@ -10900,7 +11953,7 @@
           <a:p>
             <a:fld id="{52DBBF04-BF71-4885-8EE9-E559FF56427C}" type="datetimeFigureOut">
               <a:rPr lang="en-AU" smtClean="0"/>
-              <a:t>30/08/2025</a:t>
+              <a:t>1/09/2025</a:t>
             </a:fld>
             <a:endParaRPr lang="en-AU"/>
           </a:p>
@@ -11134,7 +12187,7 @@
           <a:p>
             <a:fld id="{52DBBF04-BF71-4885-8EE9-E559FF56427C}" type="datetimeFigureOut">
               <a:rPr lang="en-AU" smtClean="0"/>
-              <a:t>30/08/2025</a:t>
+              <a:t>1/09/2025</a:t>
             </a:fld>
             <a:endParaRPr lang="en-AU"/>
           </a:p>
@@ -11493,7 +12546,7 @@
           <a:p>
             <a:fld id="{52DBBF04-BF71-4885-8EE9-E559FF56427C}" type="datetimeFigureOut">
               <a:rPr lang="en-AU" smtClean="0"/>
-              <a:t>30/08/2025</a:t>
+              <a:t>1/09/2025</a:t>
             </a:fld>
             <a:endParaRPr lang="en-AU"/>
           </a:p>
@@ -11823,7 +12876,7 @@
           <a:p>
             <a:fld id="{52DBBF04-BF71-4885-8EE9-E559FF56427C}" type="datetimeFigureOut">
               <a:rPr lang="en-AU" smtClean="0"/>
-              <a:t>30/08/2025</a:t>
+              <a:t>1/09/2025</a:t>
             </a:fld>
             <a:endParaRPr lang="en-AU"/>
           </a:p>
@@ -12134,7 +13187,7 @@
           <a:p>
             <a:fld id="{52DBBF04-BF71-4885-8EE9-E559FF56427C}" type="datetimeFigureOut">
               <a:rPr lang="en-AU" smtClean="0"/>
-              <a:t>30/08/2025</a:t>
+              <a:t>1/09/2025</a:t>
             </a:fld>
             <a:endParaRPr lang="en-AU"/>
           </a:p>
@@ -12481,7 +13534,7 @@
           <a:p>
             <a:fld id="{52DBBF04-BF71-4885-8EE9-E559FF56427C}" type="datetimeFigureOut">
               <a:rPr lang="en-AU" smtClean="0"/>
-              <a:t>30/08/2025</a:t>
+              <a:t>1/09/2025</a:t>
             </a:fld>
             <a:endParaRPr lang="en-AU"/>
           </a:p>
@@ -12791,7 +13844,7 @@
           <a:p>
             <a:fld id="{52DBBF04-BF71-4885-8EE9-E559FF56427C}" type="datetimeFigureOut">
               <a:rPr lang="en-AU" smtClean="0"/>
-              <a:t>30/08/2025</a:t>
+              <a:t>1/09/2025</a:t>
             </a:fld>
             <a:endParaRPr lang="en-AU"/>
           </a:p>
@@ -13127,7 +14180,7 @@
           <a:p>
             <a:fld id="{52DBBF04-BF71-4885-8EE9-E559FF56427C}" type="datetimeFigureOut">
               <a:rPr lang="en-AU" smtClean="0"/>
-              <a:t>30/08/2025</a:t>
+              <a:t>1/09/2025</a:t>
             </a:fld>
             <a:endParaRPr lang="en-AU"/>
           </a:p>
@@ -13442,7 +14495,7 @@
           <a:p>
             <a:fld id="{52DBBF04-BF71-4885-8EE9-E559FF56427C}" type="datetimeFigureOut">
               <a:rPr lang="en-AU" smtClean="0"/>
-              <a:t>30/08/2025</a:t>
+              <a:t>1/09/2025</a:t>
             </a:fld>
             <a:endParaRPr lang="en-AU"/>
           </a:p>
@@ -13789,7 +14842,7 @@
           <a:p>
             <a:fld id="{52DBBF04-BF71-4885-8EE9-E559FF56427C}" type="datetimeFigureOut">
               <a:rPr lang="en-AU" smtClean="0"/>
-              <a:t>30/08/2025</a:t>
+              <a:t>1/09/2025</a:t>
             </a:fld>
             <a:endParaRPr lang="en-AU"/>
           </a:p>
@@ -14122,7 +15175,7 @@
           <a:p>
             <a:fld id="{52DBBF04-BF71-4885-8EE9-E559FF56427C}" type="datetimeFigureOut">
               <a:rPr lang="en-AU" smtClean="0"/>
-              <a:t>30/08/2025</a:t>
+              <a:t>1/09/2025</a:t>
             </a:fld>
             <a:endParaRPr lang="en-AU"/>
           </a:p>
@@ -14471,7 +15524,7 @@
           <a:p>
             <a:fld id="{52DBBF04-BF71-4885-8EE9-E559FF56427C}" type="datetimeFigureOut">
               <a:rPr lang="en-AU" smtClean="0"/>
-              <a:t>30/08/2025</a:t>
+              <a:t>1/09/2025</a:t>
             </a:fld>
             <a:endParaRPr lang="en-AU"/>
           </a:p>
@@ -14816,7 +15869,7 @@
           <a:p>
             <a:fld id="{52DBBF04-BF71-4885-8EE9-E559FF56427C}" type="datetimeFigureOut">
               <a:rPr lang="en-AU" smtClean="0"/>
-              <a:t>30/08/2025</a:t>
+              <a:t>1/09/2025</a:t>
             </a:fld>
             <a:endParaRPr lang="en-AU"/>
           </a:p>
@@ -15158,7 +16211,7 @@
           <a:p>
             <a:fld id="{52DBBF04-BF71-4885-8EE9-E559FF56427C}" type="datetimeFigureOut">
               <a:rPr lang="en-AU" smtClean="0"/>
-              <a:t>30/08/2025</a:t>
+              <a:t>1/09/2025</a:t>
             </a:fld>
             <a:endParaRPr lang="en-AU"/>
           </a:p>
@@ -15459,7 +16512,7 @@
           <a:p>
             <a:fld id="{52DBBF04-BF71-4885-8EE9-E559FF56427C}" type="datetimeFigureOut">
               <a:rPr lang="en-AU" smtClean="0"/>
-              <a:t>30/08/2025</a:t>
+              <a:t>1/09/2025</a:t>
             </a:fld>
             <a:endParaRPr lang="en-AU"/>
           </a:p>
@@ -15721,7 +16774,7 @@
           <a:p>
             <a:fld id="{52DBBF04-BF71-4885-8EE9-E559FF56427C}" type="datetimeFigureOut">
               <a:rPr lang="en-AU" smtClean="0"/>
-              <a:t>30/08/2025</a:t>
+              <a:t>1/09/2025</a:t>
             </a:fld>
             <a:endParaRPr lang="en-AU"/>
           </a:p>
@@ -16029,7 +17082,7 @@
           <a:p>
             <a:fld id="{52DBBF04-BF71-4885-8EE9-E559FF56427C}" type="datetimeFigureOut">
               <a:rPr lang="en-AU" smtClean="0"/>
-              <a:t>30/08/2025</a:t>
+              <a:t>1/09/2025</a:t>
             </a:fld>
             <a:endParaRPr lang="en-AU"/>
           </a:p>
@@ -16353,7 +17406,7 @@
           <a:p>
             <a:fld id="{52DBBF04-BF71-4885-8EE9-E559FF56427C}" type="datetimeFigureOut">
               <a:rPr lang="en-AU" smtClean="0"/>
-              <a:t>30/08/2025</a:t>
+              <a:t>1/09/2025</a:t>
             </a:fld>
             <a:endParaRPr lang="en-AU"/>
           </a:p>
@@ -16754,7 +17807,7 @@
           <a:p>
             <a:fld id="{52DBBF04-BF71-4885-8EE9-E559FF56427C}" type="datetimeFigureOut">
               <a:rPr lang="en-AU" smtClean="0"/>
-              <a:t>30/08/2025</a:t>
+              <a:t>1/09/2025</a:t>
             </a:fld>
             <a:endParaRPr lang="en-AU"/>
           </a:p>
@@ -17078,7 +18131,7 @@
           <a:p>
             <a:fld id="{52DBBF04-BF71-4885-8EE9-E559FF56427C}" type="datetimeFigureOut">
               <a:rPr lang="en-AU" smtClean="0"/>
-              <a:t>30/08/2025</a:t>
+              <a:t>1/09/2025</a:t>
             </a:fld>
             <a:endParaRPr lang="en-AU"/>
           </a:p>
@@ -17315,7 +18368,7 @@
           <a:p>
             <a:fld id="{52DBBF04-BF71-4885-8EE9-E559FF56427C}" type="datetimeFigureOut">
               <a:rPr lang="en-AU" smtClean="0"/>
-              <a:t>30/08/2025</a:t>
+              <a:t>1/09/2025</a:t>
             </a:fld>
             <a:endParaRPr lang="en-AU"/>
           </a:p>
@@ -17607,7 +18660,7 @@
           <a:p>
             <a:fld id="{52DBBF04-BF71-4885-8EE9-E559FF56427C}" type="datetimeFigureOut">
               <a:rPr lang="en-AU" smtClean="0"/>
-              <a:t>30/08/2025</a:t>
+              <a:t>1/09/2025</a:t>
             </a:fld>
             <a:endParaRPr lang="en-AU"/>
           </a:p>
@@ -17899,7 +18952,7 @@
           <a:p>
             <a:fld id="{52DBBF04-BF71-4885-8EE9-E559FF56427C}" type="datetimeFigureOut">
               <a:rPr lang="en-AU" smtClean="0"/>
-              <a:t>30/08/2025</a:t>
+              <a:t>1/09/2025</a:t>
             </a:fld>
             <a:endParaRPr lang="en-AU"/>
           </a:p>
@@ -18099,7 +19152,7 @@
           <a:p>
             <a:fld id="{52DBBF04-BF71-4885-8EE9-E559FF56427C}" type="datetimeFigureOut">
               <a:rPr lang="en-AU" smtClean="0"/>
-              <a:t>30/08/2025</a:t>
+              <a:t>1/09/2025</a:t>
             </a:fld>
             <a:endParaRPr lang="en-AU"/>
           </a:p>
@@ -18345,7 +19398,7 @@
           <a:p>
             <a:fld id="{52DBBF04-BF71-4885-8EE9-E559FF56427C}" type="datetimeFigureOut">
               <a:rPr lang="en-AU" smtClean="0"/>
-              <a:t>30/08/2025</a:t>
+              <a:t>1/09/2025</a:t>
             </a:fld>
             <a:endParaRPr lang="en-AU"/>
           </a:p>
@@ -18655,7 +19708,7 @@
           <a:p>
             <a:fld id="{52DBBF04-BF71-4885-8EE9-E559FF56427C}" type="datetimeFigureOut">
               <a:rPr lang="en-AU" smtClean="0"/>
-              <a:t>30/08/2025</a:t>
+              <a:t>1/09/2025</a:t>
             </a:fld>
             <a:endParaRPr lang="en-AU"/>
           </a:p>
@@ -18927,7 +19980,7 @@
           <a:p>
             <a:fld id="{52DBBF04-BF71-4885-8EE9-E559FF56427C}" type="datetimeFigureOut">
               <a:rPr lang="en-AU" smtClean="0"/>
-              <a:t>30/08/2025</a:t>
+              <a:t>1/09/2025</a:t>
             </a:fld>
             <a:endParaRPr lang="en-AU"/>
           </a:p>
@@ -19233,7 +20286,7 @@
           <a:p>
             <a:fld id="{52DBBF04-BF71-4885-8EE9-E559FF56427C}" type="datetimeFigureOut">
               <a:rPr lang="en-AU" smtClean="0"/>
-              <a:t>30/08/2025</a:t>
+              <a:t>1/09/2025</a:t>
             </a:fld>
             <a:endParaRPr lang="en-AU"/>
           </a:p>
@@ -19500,7 +20553,7 @@
           <a:p>
             <a:fld id="{52DBBF04-BF71-4885-8EE9-E559FF56427C}" type="datetimeFigureOut">
               <a:rPr lang="en-AU" smtClean="0"/>
-              <a:t>30/08/2025</a:t>
+              <a:t>1/09/2025</a:t>
             </a:fld>
             <a:endParaRPr lang="en-AU"/>
           </a:p>
@@ -19815,7 +20868,7 @@
           <a:p>
             <a:fld id="{52DBBF04-BF71-4885-8EE9-E559FF56427C}" type="datetimeFigureOut">
               <a:rPr lang="en-AU" smtClean="0"/>
-              <a:t>30/08/2025</a:t>
+              <a:t>1/09/2025</a:t>
             </a:fld>
             <a:endParaRPr lang="en-AU"/>
           </a:p>
@@ -20123,7 +21176,7 @@
           <a:p>
             <a:fld id="{52DBBF04-BF71-4885-8EE9-E559FF56427C}" type="datetimeFigureOut">
               <a:rPr lang="en-AU" smtClean="0"/>
-              <a:t>30/08/2025</a:t>
+              <a:t>1/09/2025</a:t>
             </a:fld>
             <a:endParaRPr lang="en-AU"/>
           </a:p>
@@ -20329,7 +21382,7 @@
           <a:p>
             <a:fld id="{52DBBF04-BF71-4885-8EE9-E559FF56427C}" type="datetimeFigureOut">
               <a:rPr lang="en-AU" smtClean="0"/>
-              <a:t>30/08/2025</a:t>
+              <a:t>1/09/2025</a:t>
             </a:fld>
             <a:endParaRPr lang="en-AU"/>
           </a:p>
@@ -20648,7 +21701,7 @@
           <a:p>
             <a:fld id="{52DBBF04-BF71-4885-8EE9-E559FF56427C}" type="datetimeFigureOut">
               <a:rPr lang="en-AU" smtClean="0"/>
-              <a:t>30/08/2025</a:t>
+              <a:t>1/09/2025</a:t>
             </a:fld>
             <a:endParaRPr lang="en-AU"/>
           </a:p>
@@ -20956,7 +22009,7 @@
           <a:p>
             <a:fld id="{52DBBF04-BF71-4885-8EE9-E559FF56427C}" type="datetimeFigureOut">
               <a:rPr lang="en-AU" smtClean="0"/>
-              <a:t>30/08/2025</a:t>
+              <a:t>1/09/2025</a:t>
             </a:fld>
             <a:endParaRPr lang="en-AU"/>
           </a:p>
@@ -21239,7 +22292,7 @@
           <a:p>
             <a:fld id="{52DBBF04-BF71-4885-8EE9-E559FF56427C}" type="datetimeFigureOut">
               <a:rPr lang="en-AU" smtClean="0"/>
-              <a:t>30/08/2025</a:t>
+              <a:t>1/09/2025</a:t>
             </a:fld>
             <a:endParaRPr lang="en-AU"/>
           </a:p>
@@ -21481,7 +22534,7 @@
           <a:p>
             <a:fld id="{52DBBF04-BF71-4885-8EE9-E559FF56427C}" type="datetimeFigureOut">
               <a:rPr lang="en-AU" smtClean="0"/>
-              <a:t>30/08/2025</a:t>
+              <a:t>1/09/2025</a:t>
             </a:fld>
             <a:endParaRPr lang="en-AU"/>
           </a:p>
@@ -21720,7 +22773,7 @@
           <a:p>
             <a:fld id="{52DBBF04-BF71-4885-8EE9-E559FF56427C}" type="datetimeFigureOut">
               <a:rPr lang="en-AU" smtClean="0"/>
-              <a:t>30/08/2025</a:t>
+              <a:t>1/09/2025</a:t>
             </a:fld>
             <a:endParaRPr lang="en-AU"/>
           </a:p>
@@ -21973,7 +23026,7 @@
           <a:p>
             <a:fld id="{52DBBF04-BF71-4885-8EE9-E559FF56427C}" type="datetimeFigureOut">
               <a:rPr lang="en-AU" smtClean="0"/>
-              <a:t>30/08/2025</a:t>
+              <a:t>1/09/2025</a:t>
             </a:fld>
             <a:endParaRPr lang="en-AU"/>
           </a:p>
@@ -22245,7 +23298,7 @@
           <a:p>
             <a:fld id="{52DBBF04-BF71-4885-8EE9-E559FF56427C}" type="datetimeFigureOut">
               <a:rPr lang="en-AU" smtClean="0"/>
-              <a:t>30/08/2025</a:t>
+              <a:t>1/09/2025</a:t>
             </a:fld>
             <a:endParaRPr lang="en-AU"/>
           </a:p>
@@ -22669,7 +23722,7 @@
           <a:p>
             <a:fld id="{52DBBF04-BF71-4885-8EE9-E559FF56427C}" type="datetimeFigureOut">
               <a:rPr lang="en-AU" smtClean="0"/>
-              <a:t>30/08/2025</a:t>
+              <a:t>1/09/2025</a:t>
             </a:fld>
             <a:endParaRPr lang="en-AU"/>
           </a:p>
@@ -22989,7 +24042,7 @@
           <a:p>
             <a:fld id="{52DBBF04-BF71-4885-8EE9-E559FF56427C}" type="datetimeFigureOut">
               <a:rPr lang="en-AU" smtClean="0"/>
-              <a:t>30/08/2025</a:t>
+              <a:t>1/09/2025</a:t>
             </a:fld>
             <a:endParaRPr lang="en-AU"/>
           </a:p>
@@ -23540,7 +24593,7 @@
           <p:cNvPr id="4" name="Rectangle 3">
             <a:extLst>
               <a:ext uri="{FF2B5EF4-FFF2-40B4-BE49-F238E27FC236}">
-                <a16:creationId xmlns:a16="http://schemas.microsoft.com/office/drawing/2014/main" id="{31E6AA85-1E54-5F0C-E499-4F66D76AA329}"/>
+                <a16:creationId xmlns:a16="http://schemas.microsoft.com/office/drawing/2014/main" id="{15D73C47-2770-30A3-51F7-BA0B51D668C7}"/>
               </a:ext>
             </a:extLst>
           </p:cNvPr>
@@ -23581,129 +24634,6 @@
           </a:p>
         </p:txBody>
       </p:sp>
-      <p:pic>
-        <p:nvPicPr>
-          <p:cNvPr id="1026" name="Picture 2" descr="Home - Dapr Agents">
-            <a:extLst>
-              <a:ext uri="{FF2B5EF4-FFF2-40B4-BE49-F238E27FC236}">
-                <a16:creationId xmlns:a16="http://schemas.microsoft.com/office/drawing/2014/main" id="{3EA83C2E-55C9-5BAA-9DA7-6F7EAF3DADA5}"/>
-              </a:ext>
-            </a:extLst>
-          </p:cNvPr>
-          <p:cNvPicPr>
-            <a:picLocks noChangeAspect="1" noChangeArrowheads="1"/>
-          </p:cNvPicPr>
-          <p:nvPr/>
-        </p:nvPicPr>
-        <p:blipFill>
-          <a:blip r:embed="rId2">
-            <a:extLst>
-              <a:ext uri="{28A0092B-C50C-407E-A947-70E740481C1C}">
-                <a14:useLocalDpi xmlns:a14="http://schemas.microsoft.com/office/drawing/2010/main" val="0"/>
-              </a:ext>
-            </a:extLst>
-          </a:blip>
-          <a:srcRect/>
-          <a:stretch>
-            <a:fillRect/>
-          </a:stretch>
-        </p:blipFill>
-        <p:spPr bwMode="auto">
-          <a:xfrm>
-            <a:off x="2006930" y="942820"/>
-            <a:ext cx="4972360" cy="4972360"/>
-          </a:xfrm>
-          <a:prstGeom prst="rect">
-            <a:avLst/>
-          </a:prstGeom>
-          <a:noFill/>
-          <a:extLst>
-            <a:ext uri="{909E8E84-426E-40DD-AFC4-6F175D3DCCD1}">
-              <a14:hiddenFill xmlns:a14="http://schemas.microsoft.com/office/drawing/2010/main">
-                <a:solidFill>
-                  <a:srgbClr val="FFFFFF"/>
-                </a:solidFill>
-              </a14:hiddenFill>
-            </a:ext>
-          </a:extLst>
-        </p:spPr>
-      </p:pic>
-    </p:spTree>
-    <p:extLst>
-      <p:ext uri="{BB962C8B-B14F-4D97-AF65-F5344CB8AC3E}">
-        <p14:creationId xmlns:p14="http://schemas.microsoft.com/office/powerpoint/2010/main" val="1130843247"/>
-      </p:ext>
-    </p:extLst>
-  </p:cSld>
-  <p:clrMapOvr>
-    <a:masterClrMapping/>
-  </p:clrMapOvr>
-</p:sld>
-</file>
-
-<file path=ppt/slides/slide2.xml><?xml version="1.0" encoding="utf-8"?>
-<p:sld xmlns:a="http://schemas.openxmlformats.org/drawingml/2006/main" xmlns:r="http://schemas.openxmlformats.org/officeDocument/2006/relationships" xmlns:p="http://schemas.openxmlformats.org/presentationml/2006/main">
-  <p:cSld>
-    <p:spTree>
-      <p:nvGrpSpPr>
-        <p:cNvPr id="1" name=""/>
-        <p:cNvGrpSpPr/>
-        <p:nvPr/>
-      </p:nvGrpSpPr>
-      <p:grpSpPr>
-        <a:xfrm>
-          <a:off x="0" y="0"/>
-          <a:ext cx="0" cy="0"/>
-          <a:chOff x="0" y="0"/>
-          <a:chExt cx="0" cy="0"/>
-        </a:xfrm>
-      </p:grpSpPr>
-      <p:sp>
-        <p:nvSpPr>
-          <p:cNvPr id="4" name="Rectangle 3">
-            <a:extLst>
-              <a:ext uri="{FF2B5EF4-FFF2-40B4-BE49-F238E27FC236}">
-                <a16:creationId xmlns:a16="http://schemas.microsoft.com/office/drawing/2014/main" id="{15D73C47-2770-30A3-51F7-BA0B51D668C7}"/>
-              </a:ext>
-            </a:extLst>
-          </p:cNvPr>
-          <p:cNvSpPr/>
-          <p:nvPr/>
-        </p:nvSpPr>
-        <p:spPr>
-          <a:xfrm>
-            <a:off x="8953995" y="3764478"/>
-            <a:ext cx="3238005" cy="3093522"/>
-          </a:xfrm>
-          <a:prstGeom prst="rect">
-            <a:avLst/>
-          </a:prstGeom>
-        </p:spPr>
-        <p:style>
-          <a:lnRef idx="2">
-            <a:schemeClr val="accent1">
-              <a:shade val="15000"/>
-            </a:schemeClr>
-          </a:lnRef>
-          <a:fillRef idx="1">
-            <a:schemeClr val="accent1"/>
-          </a:fillRef>
-          <a:effectRef idx="0">
-            <a:schemeClr val="accent1"/>
-          </a:effectRef>
-          <a:fontRef idx="minor">
-            <a:schemeClr val="lt1"/>
-          </a:fontRef>
-        </p:style>
-        <p:txBody>
-          <a:bodyPr rtlCol="0" anchor="ctr"/>
-          <a:lstStyle/>
-          <a:p>
-            <a:pPr algn="ctr"/>
-            <a:endParaRPr lang="en-AU"/>
-          </a:p>
-        </p:txBody>
-      </p:sp>
       <p:graphicFrame>
         <p:nvGraphicFramePr>
           <p:cNvPr id="5" name="Diagram 4">
@@ -23722,7 +24652,7 @@
         </p:xfrm>
         <a:graphic>
           <a:graphicData uri="http://schemas.openxmlformats.org/drawingml/2006/diagram">
-            <dgm:relIds xmlns:dgm="http://schemas.openxmlformats.org/drawingml/2006/diagram" xmlns:r="http://schemas.openxmlformats.org/officeDocument/2006/relationships" r:dm="rId2" r:lo="rId3" r:qs="rId4" r:cs="rId5"/>
+            <dgm:relIds xmlns:dgm="http://schemas.openxmlformats.org/drawingml/2006/diagram" xmlns:r="http://schemas.openxmlformats.org/officeDocument/2006/relationships" r:dm="rId3" r:lo="rId4" r:qs="rId5" r:cs="rId6"/>
           </a:graphicData>
         </a:graphic>
       </p:graphicFrame>
@@ -23741,7 +24671,7 @@
           <p:nvPr/>
         </p:nvPicPr>
         <p:blipFill>
-          <a:blip r:embed="rId7">
+          <a:blip r:embed="rId8">
             <a:extLst>
               <a:ext uri="{28A0092B-C50C-407E-A947-70E740481C1C}">
                 <a14:useLocalDpi xmlns:a14="http://schemas.microsoft.com/office/drawing/2010/main" val="0"/>
@@ -23773,6 +24703,58 @@
           </a:extLst>
         </p:spPr>
       </p:pic>
+      <p:sp>
+        <p:nvSpPr>
+          <p:cNvPr id="3" name="Rectangle 2">
+            <a:extLst>
+              <a:ext uri="{FF2B5EF4-FFF2-40B4-BE49-F238E27FC236}">
+                <a16:creationId xmlns:a16="http://schemas.microsoft.com/office/drawing/2014/main" id="{2AB9312B-C4F8-CF20-E284-F026561BCF13}"/>
+              </a:ext>
+            </a:extLst>
+          </p:cNvPr>
+          <p:cNvSpPr/>
+          <p:nvPr/>
+        </p:nvSpPr>
+        <p:spPr>
+          <a:xfrm>
+            <a:off x="415297" y="4765278"/>
+            <a:ext cx="1680189" cy="1091922"/>
+          </a:xfrm>
+          <a:prstGeom prst="rect">
+            <a:avLst/>
+          </a:prstGeom>
+          <a:noFill/>
+          <a:ln w="63500">
+            <a:solidFill>
+              <a:srgbClr val="FF0000"/>
+            </a:solidFill>
+          </a:ln>
+        </p:spPr>
+        <p:style>
+          <a:lnRef idx="2">
+            <a:schemeClr val="accent1">
+              <a:shade val="15000"/>
+            </a:schemeClr>
+          </a:lnRef>
+          <a:fillRef idx="1">
+            <a:schemeClr val="accent1"/>
+          </a:fillRef>
+          <a:effectRef idx="0">
+            <a:schemeClr val="accent1"/>
+          </a:effectRef>
+          <a:fontRef idx="minor">
+            <a:schemeClr val="lt1"/>
+          </a:fontRef>
+        </p:style>
+        <p:txBody>
+          <a:bodyPr rtlCol="0" anchor="ctr"/>
+          <a:lstStyle/>
+          <a:p>
+            <a:pPr algn="ctr"/>
+            <a:endParaRPr lang="en-AU"/>
+          </a:p>
+        </p:txBody>
+      </p:sp>
     </p:spTree>
     <p:extLst>
       <p:ext uri="{BB962C8B-B14F-4D97-AF65-F5344CB8AC3E}">
@@ -23783,10 +24765,96 @@
   <p:clrMapOvr>
     <a:masterClrMapping/>
   </p:clrMapOvr>
+  <p:timing>
+    <p:tnLst>
+      <p:par>
+        <p:cTn id="1" dur="indefinite" restart="never" nodeType="tmRoot">
+          <p:childTnLst>
+            <p:seq concurrent="1" nextAc="seek">
+              <p:cTn id="2" dur="indefinite" nodeType="mainSeq">
+                <p:childTnLst>
+                  <p:par>
+                    <p:cTn id="3" fill="hold">
+                      <p:stCondLst>
+                        <p:cond delay="indefinite"/>
+                      </p:stCondLst>
+                      <p:childTnLst>
+                        <p:par>
+                          <p:cTn id="4" fill="hold">
+                            <p:stCondLst>
+                              <p:cond delay="0"/>
+                            </p:stCondLst>
+                            <p:childTnLst>
+                              <p:par>
+                                <p:cTn id="5" presetID="10" presetClass="entr" presetSubtype="0" fill="hold" grpId="0" nodeType="clickEffect">
+                                  <p:stCondLst>
+                                    <p:cond delay="0"/>
+                                  </p:stCondLst>
+                                  <p:childTnLst>
+                                    <p:set>
+                                      <p:cBhvr>
+                                        <p:cTn id="6" dur="1" fill="hold">
+                                          <p:stCondLst>
+                                            <p:cond delay="0"/>
+                                          </p:stCondLst>
+                                        </p:cTn>
+                                        <p:tgtEl>
+                                          <p:spTgt spid="3"/>
+                                        </p:tgtEl>
+                                        <p:attrNameLst>
+                                          <p:attrName>style.visibility</p:attrName>
+                                        </p:attrNameLst>
+                                      </p:cBhvr>
+                                      <p:to>
+                                        <p:strVal val="visible"/>
+                                      </p:to>
+                                    </p:set>
+                                    <p:animEffect transition="in" filter="fade">
+                                      <p:cBhvr>
+                                        <p:cTn id="7" dur="500"/>
+                                        <p:tgtEl>
+                                          <p:spTgt spid="3"/>
+                                        </p:tgtEl>
+                                      </p:cBhvr>
+                                    </p:animEffect>
+                                  </p:childTnLst>
+                                </p:cTn>
+                              </p:par>
+                            </p:childTnLst>
+                          </p:cTn>
+                        </p:par>
+                      </p:childTnLst>
+                    </p:cTn>
+                  </p:par>
+                </p:childTnLst>
+              </p:cTn>
+              <p:prevCondLst>
+                <p:cond evt="onPrev" delay="0">
+                  <p:tgtEl>
+                    <p:sldTgt/>
+                  </p:tgtEl>
+                </p:cond>
+              </p:prevCondLst>
+              <p:nextCondLst>
+                <p:cond evt="onNext" delay="0">
+                  <p:tgtEl>
+                    <p:sldTgt/>
+                  </p:tgtEl>
+                </p:cond>
+              </p:nextCondLst>
+            </p:seq>
+          </p:childTnLst>
+        </p:cTn>
+      </p:par>
+    </p:tnLst>
+    <p:bldLst>
+      <p:bldP spid="3" grpId="0" animBg="1"/>
+    </p:bldLst>
+  </p:timing>
 </p:sld>
 </file>
 
-<file path=ppt/slides/slide3.xml><?xml version="1.0" encoding="utf-8"?>
+<file path=ppt/slides/slide2.xml><?xml version="1.0" encoding="utf-8"?>
 <p:sld xmlns:a="http://schemas.openxmlformats.org/drawingml/2006/main" xmlns:r="http://schemas.openxmlformats.org/officeDocument/2006/relationships" xmlns:p="http://schemas.openxmlformats.org/presentationml/2006/main">
   <p:cSld>
     <p:spTree>
@@ -23898,7 +24966,7 @@
           <p:nvPr/>
         </p:nvPicPr>
         <p:blipFill>
-          <a:blip r:embed="rId2">
+          <a:blip r:embed="rId3">
             <a:extLst>
               <a:ext uri="{28A0092B-C50C-407E-A947-70E740481C1C}">
                 <a14:useLocalDpi xmlns:a14="http://schemas.microsoft.com/office/drawing/2010/main" val="0"/>
@@ -23945,7 +25013,7 @@
           <p:nvPr/>
         </p:nvPicPr>
         <p:blipFill>
-          <a:blip r:embed="rId3"/>
+          <a:blip r:embed="rId4"/>
           <a:stretch>
             <a:fillRect/>
           </a:stretch>
@@ -23970,10 +25038,22 @@
   <p:clrMapOvr>
     <a:masterClrMapping/>
   </p:clrMapOvr>
+  <mc:AlternateContent xmlns:mc="http://schemas.openxmlformats.org/markup-compatibility/2006">
+    <mc:Choice xmlns:p14="http://schemas.microsoft.com/office/powerpoint/2010/main" Requires="p14">
+      <p:transition spd="med" p14:dur="700">
+        <p:fade/>
+      </p:transition>
+    </mc:Choice>
+    <mc:Fallback>
+      <p:transition spd="med">
+        <p:fade/>
+      </p:transition>
+    </mc:Fallback>
+  </mc:AlternateContent>
 </p:sld>
 </file>
 
-<file path=ppt/slides/slide4.xml><?xml version="1.0" encoding="utf-8"?>
+<file path=ppt/slides/slide3.xml><?xml version="1.0" encoding="utf-8"?>
 <p:sld xmlns:a="http://schemas.openxmlformats.org/drawingml/2006/main" xmlns:r="http://schemas.openxmlformats.org/officeDocument/2006/relationships" xmlns:p="http://schemas.openxmlformats.org/presentationml/2006/main">
   <p:cSld>
     <p:spTree>
@@ -24170,7 +25250,7 @@
           <p:nvPr/>
         </p:nvPicPr>
         <p:blipFill>
-          <a:blip r:embed="rId2">
+          <a:blip r:embed="rId3">
             <a:extLst>
               <a:ext uri="{28A0092B-C50C-407E-A947-70E740481C1C}">
                 <a14:useLocalDpi xmlns:a14="http://schemas.microsoft.com/office/drawing/2010/main" val="0"/>
@@ -24212,6 +25292,18 @@
   <p:clrMapOvr>
     <a:masterClrMapping/>
   </p:clrMapOvr>
+  <mc:AlternateContent xmlns:mc="http://schemas.openxmlformats.org/markup-compatibility/2006">
+    <mc:Choice xmlns:p14="http://schemas.microsoft.com/office/powerpoint/2010/main" Requires="p14">
+      <p:transition spd="med" p14:dur="700">
+        <p:fade/>
+      </p:transition>
+    </mc:Choice>
+    <mc:Fallback>
+      <p:transition spd="med">
+        <p:fade/>
+      </p:transition>
+    </mc:Fallback>
+  </mc:AlternateContent>
 </p:sld>
 </file>
 
@@ -24414,4 +25506,319 @@
     </a:ext>
   </a:extLst>
 </a:theme>
+</file>
+
+<file path=ppt/theme/theme2.xml><?xml version="1.0" encoding="utf-8"?>
+<a:theme xmlns:a="http://schemas.openxmlformats.org/drawingml/2006/main" name="Office Theme">
+  <a:themeElements>
+    <a:clrScheme name="Office">
+      <a:dk1>
+        <a:sysClr val="windowText" lastClr="000000"/>
+      </a:dk1>
+      <a:lt1>
+        <a:sysClr val="window" lastClr="FFFFFF"/>
+      </a:lt1>
+      <a:dk2>
+        <a:srgbClr val="0E2841"/>
+      </a:dk2>
+      <a:lt2>
+        <a:srgbClr val="E8E8E8"/>
+      </a:lt2>
+      <a:accent1>
+        <a:srgbClr val="156082"/>
+      </a:accent1>
+      <a:accent2>
+        <a:srgbClr val="E97132"/>
+      </a:accent2>
+      <a:accent3>
+        <a:srgbClr val="196B24"/>
+      </a:accent3>
+      <a:accent4>
+        <a:srgbClr val="0F9ED5"/>
+      </a:accent4>
+      <a:accent5>
+        <a:srgbClr val="A02B93"/>
+      </a:accent5>
+      <a:accent6>
+        <a:srgbClr val="4EA72E"/>
+      </a:accent6>
+      <a:hlink>
+        <a:srgbClr val="467886"/>
+      </a:hlink>
+      <a:folHlink>
+        <a:srgbClr val="96607D"/>
+      </a:folHlink>
+    </a:clrScheme>
+    <a:fontScheme name="Office">
+      <a:majorFont>
+        <a:latin typeface="Aptos Display" panose="02110004020202020204"/>
+        <a:ea typeface=""/>
+        <a:cs typeface=""/>
+        <a:font script="Jpan" typeface="游ゴシック Light"/>
+        <a:font script="Hang" typeface="맑은 고딕"/>
+        <a:font script="Hans" typeface="等线 Light"/>
+        <a:font script="Hant" typeface="新細明體"/>
+        <a:font script="Arab" typeface="Times New Roman"/>
+        <a:font script="Hebr" typeface="Times New Roman"/>
+        <a:font script="Thai" typeface="Angsana New"/>
+        <a:font script="Ethi" typeface="Nyala"/>
+        <a:font script="Beng" typeface="Vrinda"/>
+        <a:font script="Gujr" typeface="Shruti"/>
+        <a:font script="Khmr" typeface="MoolBoran"/>
+        <a:font script="Knda" typeface="Tunga"/>
+        <a:font script="Guru" typeface="Raavi"/>
+        <a:font script="Cans" typeface="Euphemia"/>
+        <a:font script="Cher" typeface="Plantagenet Cherokee"/>
+        <a:font script="Yiii" typeface="Microsoft Yi Baiti"/>
+        <a:font script="Tibt" typeface="Microsoft Himalaya"/>
+        <a:font script="Thaa" typeface="MV Boli"/>
+        <a:font script="Deva" typeface="Mangal"/>
+        <a:font script="Telu" typeface="Gautami"/>
+        <a:font script="Taml" typeface="Latha"/>
+        <a:font script="Syrc" typeface="Estrangelo Edessa"/>
+        <a:font script="Orya" typeface="Kalinga"/>
+        <a:font script="Mlym" typeface="Kartika"/>
+        <a:font script="Laoo" typeface="DokChampa"/>
+        <a:font script="Sinh" typeface="Iskoola Pota"/>
+        <a:font script="Mong" typeface="Mongolian Baiti"/>
+        <a:font script="Viet" typeface="Times New Roman"/>
+        <a:font script="Uigh" typeface="Microsoft Uighur"/>
+        <a:font script="Geor" typeface="Sylfaen"/>
+        <a:font script="Armn" typeface="Arial"/>
+        <a:font script="Bugi" typeface="Leelawadee UI"/>
+        <a:font script="Bopo" typeface="Microsoft JhengHei"/>
+        <a:font script="Java" typeface="Javanese Text"/>
+        <a:font script="Lisu" typeface="Segoe UI"/>
+        <a:font script="Mymr" typeface="Myanmar Text"/>
+        <a:font script="Nkoo" typeface="Ebrima"/>
+        <a:font script="Olck" typeface="Nirmala UI"/>
+        <a:font script="Osma" typeface="Ebrima"/>
+        <a:font script="Phag" typeface="Phagspa"/>
+        <a:font script="Syrn" typeface="Estrangelo Edessa"/>
+        <a:font script="Syrj" typeface="Estrangelo Edessa"/>
+        <a:font script="Syre" typeface="Estrangelo Edessa"/>
+        <a:font script="Sora" typeface="Nirmala UI"/>
+        <a:font script="Tale" typeface="Microsoft Tai Le"/>
+        <a:font script="Talu" typeface="Microsoft New Tai Lue"/>
+        <a:font script="Tfng" typeface="Ebrima"/>
+      </a:majorFont>
+      <a:minorFont>
+        <a:latin typeface="Aptos" panose="02110004020202020204"/>
+        <a:ea typeface=""/>
+        <a:cs typeface=""/>
+        <a:font script="Jpan" typeface="游ゴシック"/>
+        <a:font script="Hang" typeface="맑은 고딕"/>
+        <a:font script="Hans" typeface="等线"/>
+        <a:font script="Hant" typeface="新細明體"/>
+        <a:font script="Arab" typeface="Arial"/>
+        <a:font script="Hebr" typeface="Arial"/>
+        <a:font script="Thai" typeface="Cordia New"/>
+        <a:font script="Ethi" typeface="Nyala"/>
+        <a:font script="Beng" typeface="Vrinda"/>
+        <a:font script="Gujr" typeface="Shruti"/>
+        <a:font script="Khmr" typeface="DaunPenh"/>
+        <a:font script="Knda" typeface="Tunga"/>
+        <a:font script="Guru" typeface="Raavi"/>
+        <a:font script="Cans" typeface="Euphemia"/>
+        <a:font script="Cher" typeface="Plantagenet Cherokee"/>
+        <a:font script="Yiii" typeface="Microsoft Yi Baiti"/>
+        <a:font script="Tibt" typeface="Microsoft Himalaya"/>
+        <a:font script="Thaa" typeface="MV Boli"/>
+        <a:font script="Deva" typeface="Mangal"/>
+        <a:font script="Telu" typeface="Gautami"/>
+        <a:font script="Taml" typeface="Latha"/>
+        <a:font script="Syrc" typeface="Estrangelo Edessa"/>
+        <a:font script="Orya" typeface="Kalinga"/>
+        <a:font script="Mlym" typeface="Kartika"/>
+        <a:font script="Laoo" typeface="DokChampa"/>
+        <a:font script="Sinh" typeface="Iskoola Pota"/>
+        <a:font script="Mong" typeface="Mongolian Baiti"/>
+        <a:font script="Viet" typeface="Arial"/>
+        <a:font script="Uigh" typeface="Microsoft Uighur"/>
+        <a:font script="Geor" typeface="Sylfaen"/>
+        <a:font script="Armn" typeface="Arial"/>
+        <a:font script="Bugi" typeface="Leelawadee UI"/>
+        <a:font script="Bopo" typeface="Microsoft JhengHei"/>
+        <a:font script="Java" typeface="Javanese Text"/>
+        <a:font script="Lisu" typeface="Segoe UI"/>
+        <a:font script="Mymr" typeface="Myanmar Text"/>
+        <a:font script="Nkoo" typeface="Ebrima"/>
+        <a:font script="Olck" typeface="Nirmala UI"/>
+        <a:font script="Osma" typeface="Ebrima"/>
+        <a:font script="Phag" typeface="Phagspa"/>
+        <a:font script="Syrn" typeface="Estrangelo Edessa"/>
+        <a:font script="Syrj" typeface="Estrangelo Edessa"/>
+        <a:font script="Syre" typeface="Estrangelo Edessa"/>
+        <a:font script="Sora" typeface="Nirmala UI"/>
+        <a:font script="Tale" typeface="Microsoft Tai Le"/>
+        <a:font script="Talu" typeface="Microsoft New Tai Lue"/>
+        <a:font script="Tfng" typeface="Ebrima"/>
+      </a:minorFont>
+    </a:fontScheme>
+    <a:fmtScheme name="Office">
+      <a:fillStyleLst>
+        <a:solidFill>
+          <a:schemeClr val="phClr"/>
+        </a:solidFill>
+        <a:gradFill rotWithShape="1">
+          <a:gsLst>
+            <a:gs pos="0">
+              <a:schemeClr val="phClr">
+                <a:lumMod val="110000"/>
+                <a:satMod val="105000"/>
+                <a:tint val="67000"/>
+              </a:schemeClr>
+            </a:gs>
+            <a:gs pos="50000">
+              <a:schemeClr val="phClr">
+                <a:lumMod val="105000"/>
+                <a:satMod val="103000"/>
+                <a:tint val="73000"/>
+              </a:schemeClr>
+            </a:gs>
+            <a:gs pos="100000">
+              <a:schemeClr val="phClr">
+                <a:lumMod val="105000"/>
+                <a:satMod val="109000"/>
+                <a:tint val="81000"/>
+              </a:schemeClr>
+            </a:gs>
+          </a:gsLst>
+          <a:lin ang="5400000" scaled="0"/>
+        </a:gradFill>
+        <a:gradFill rotWithShape="1">
+          <a:gsLst>
+            <a:gs pos="0">
+              <a:schemeClr val="phClr">
+                <a:satMod val="103000"/>
+                <a:lumMod val="102000"/>
+                <a:tint val="94000"/>
+              </a:schemeClr>
+            </a:gs>
+            <a:gs pos="50000">
+              <a:schemeClr val="phClr">
+                <a:satMod val="110000"/>
+                <a:lumMod val="100000"/>
+                <a:shade val="100000"/>
+              </a:schemeClr>
+            </a:gs>
+            <a:gs pos="100000">
+              <a:schemeClr val="phClr">
+                <a:lumMod val="99000"/>
+                <a:satMod val="120000"/>
+                <a:shade val="78000"/>
+              </a:schemeClr>
+            </a:gs>
+          </a:gsLst>
+          <a:lin ang="5400000" scaled="0"/>
+        </a:gradFill>
+      </a:fillStyleLst>
+      <a:lnStyleLst>
+        <a:ln w="12700" cap="flat" cmpd="sng" algn="ctr">
+          <a:solidFill>
+            <a:schemeClr val="phClr"/>
+          </a:solidFill>
+          <a:prstDash val="solid"/>
+          <a:miter lim="800000"/>
+        </a:ln>
+        <a:ln w="19050" cap="flat" cmpd="sng" algn="ctr">
+          <a:solidFill>
+            <a:schemeClr val="phClr"/>
+          </a:solidFill>
+          <a:prstDash val="solid"/>
+          <a:miter lim="800000"/>
+        </a:ln>
+        <a:ln w="25400" cap="flat" cmpd="sng" algn="ctr">
+          <a:solidFill>
+            <a:schemeClr val="phClr"/>
+          </a:solidFill>
+          <a:prstDash val="solid"/>
+          <a:miter lim="800000"/>
+        </a:ln>
+      </a:lnStyleLst>
+      <a:effectStyleLst>
+        <a:effectStyle>
+          <a:effectLst/>
+        </a:effectStyle>
+        <a:effectStyle>
+          <a:effectLst/>
+        </a:effectStyle>
+        <a:effectStyle>
+          <a:effectLst>
+            <a:outerShdw blurRad="57150" dist="19050" dir="5400000" algn="ctr" rotWithShape="0">
+              <a:srgbClr val="000000">
+                <a:alpha val="63000"/>
+              </a:srgbClr>
+            </a:outerShdw>
+          </a:effectLst>
+        </a:effectStyle>
+      </a:effectStyleLst>
+      <a:bgFillStyleLst>
+        <a:solidFill>
+          <a:schemeClr val="phClr"/>
+        </a:solidFill>
+        <a:solidFill>
+          <a:schemeClr val="phClr">
+            <a:tint val="95000"/>
+            <a:satMod val="170000"/>
+          </a:schemeClr>
+        </a:solidFill>
+        <a:gradFill rotWithShape="1">
+          <a:gsLst>
+            <a:gs pos="0">
+              <a:schemeClr val="phClr">
+                <a:tint val="93000"/>
+                <a:satMod val="150000"/>
+                <a:shade val="98000"/>
+                <a:lumMod val="102000"/>
+              </a:schemeClr>
+            </a:gs>
+            <a:gs pos="50000">
+              <a:schemeClr val="phClr">
+                <a:tint val="98000"/>
+                <a:satMod val="130000"/>
+                <a:shade val="90000"/>
+                <a:lumMod val="103000"/>
+              </a:schemeClr>
+            </a:gs>
+            <a:gs pos="100000">
+              <a:schemeClr val="phClr">
+                <a:shade val="63000"/>
+                <a:satMod val="120000"/>
+              </a:schemeClr>
+            </a:gs>
+          </a:gsLst>
+          <a:lin ang="5400000" scaled="0"/>
+        </a:gradFill>
+      </a:bgFillStyleLst>
+    </a:fmtScheme>
+  </a:themeElements>
+  <a:objectDefaults>
+    <a:lnDef>
+      <a:spPr/>
+      <a:bodyPr/>
+      <a:lstStyle/>
+      <a:style>
+        <a:lnRef idx="2">
+          <a:schemeClr val="accent1"/>
+        </a:lnRef>
+        <a:fillRef idx="0">
+          <a:schemeClr val="accent1"/>
+        </a:fillRef>
+        <a:effectRef idx="1">
+          <a:schemeClr val="accent1"/>
+        </a:effectRef>
+        <a:fontRef idx="minor">
+          <a:schemeClr val="tx1"/>
+        </a:fontRef>
+      </a:style>
+    </a:lnDef>
+  </a:objectDefaults>
+  <a:extraClrSchemeLst/>
+  <a:extLst>
+    <a:ext uri="{05A4C25C-085E-4340-85A3-A5531E510DB2}">
+      <thm15:themeFamily xmlns:thm15="http://schemas.microsoft.com/office/thememl/2012/main" name="Office Theme" id="{2E142A2C-CD16-42D6-873A-C26D2A0506FA}" vid="{1BDDFF52-6CD6-40A5-AB3C-68EB2F1E4D0A}"/>
+    </a:ext>
+  </a:extLst>
+</a:theme>
 </file>